--- a/Exercicio-04/Computabilidade.pptx
+++ b/Exercicio-04/Computabilidade.pptx
@@ -62,6 +62,16 @@
     <p:sldId id="307" r:id="rId58"/>
     <p:sldId id="308" r:id="rId59"/>
     <p:sldId id="309" r:id="rId60"/>
+    <p:sldId id="310" r:id="rId61"/>
+    <p:sldId id="311" r:id="rId62"/>
+    <p:sldId id="312" r:id="rId63"/>
+    <p:sldId id="313" r:id="rId64"/>
+    <p:sldId id="314" r:id="rId65"/>
+    <p:sldId id="315" r:id="rId66"/>
+    <p:sldId id="316" r:id="rId67"/>
+    <p:sldId id="317" r:id="rId68"/>
+    <p:sldId id="318" r:id="rId69"/>
+    <p:sldId id="319" r:id="rId70"/>
   </p:sldIdLst>
   <p:sldSz cy="5143500" cx="9144000"/>
   <p:notesSz cx="6858000" cy="9144000"/>
@@ -5508,7 +5518,7 @@
       </p:grpSpPr>
       <p:sp>
         <p:nvSpPr>
-          <p:cNvPr id="380" name="Google Shape;380;g33a2d7f8f3_0_532:notes"/>
+          <p:cNvPr id="380" name="Google Shape;380;g49a9cd024d_0_10:notes"/>
           <p:cNvSpPr/>
           <p:nvPr>
             <p:ph idx="2" type="sldImg"/>
@@ -5543,7 +5553,7 @@
       </p:sp>
       <p:sp>
         <p:nvSpPr>
-          <p:cNvPr id="381" name="Google Shape;381;g33a2d7f8f3_0_532:notes"/>
+          <p:cNvPr id="381" name="Google Shape;381;g49a9cd024d_0_10:notes"/>
           <p:cNvSpPr txBox="1"/>
           <p:nvPr>
             <p:ph idx="1" type="body"/>
@@ -5607,7 +5617,7 @@
       </p:grpSpPr>
       <p:sp>
         <p:nvSpPr>
-          <p:cNvPr id="386" name="Google Shape;386;g33a2d7f8f3_0_542:notes"/>
+          <p:cNvPr id="386" name="Google Shape;386;g49a9cd024d_0_0:notes"/>
           <p:cNvSpPr/>
           <p:nvPr>
             <p:ph idx="2" type="sldImg"/>
@@ -5642,7 +5652,502 @@
       </p:sp>
       <p:sp>
         <p:nvSpPr>
-          <p:cNvPr id="387" name="Google Shape;387;g33a2d7f8f3_0_542:notes"/>
+          <p:cNvPr id="387" name="Google Shape;387;g49a9cd024d_0_0:notes"/>
+          <p:cNvSpPr txBox="1"/>
+          <p:nvPr>
+            <p:ph idx="1" type="body"/>
+          </p:nvPr>
+        </p:nvSpPr>
+        <p:spPr>
+          <a:xfrm>
+            <a:off x="685800" y="4343400"/>
+            <a:ext cx="5486400" cy="4114800"/>
+          </a:xfrm>
+          <a:prstGeom prst="rect">
+            <a:avLst/>
+          </a:prstGeom>
+        </p:spPr>
+        <p:txBody>
+          <a:bodyPr anchorCtr="0" anchor="t" bIns="91425" lIns="91425" spcFirstLastPara="1" rIns="91425" wrap="square" tIns="91425">
+            <a:noAutofit/>
+          </a:bodyPr>
+          <a:lstStyle/>
+          <a:p>
+            <a:pPr indent="0" lvl="0" marL="0" rtl="0" algn="l">
+              <a:spcBef>
+                <a:spcPts val="0"/>
+              </a:spcBef>
+              <a:spcAft>
+                <a:spcPts val="0"/>
+              </a:spcAft>
+              <a:buNone/>
+            </a:pPr>
+            <a:r>
+              <a:t/>
+            </a:r>
+            <a:endParaRPr/>
+          </a:p>
+        </p:txBody>
+      </p:sp>
+    </p:spTree>
+  </p:cSld>
+  <p:clrMapOvr>
+    <a:masterClrMapping/>
+  </p:clrMapOvr>
+</p:notes>
+</file>
+
+<file path=ppt/notesSlides/notesSlide55.xml><?xml version="1.0" encoding="utf-8"?>
+<p:notes xmlns:a="http://schemas.openxmlformats.org/drawingml/2006/main" xmlns:r="http://schemas.openxmlformats.org/officeDocument/2006/relationships" xmlns:mc="http://schemas.openxmlformats.org/markup-compatibility/2006" xmlns:mv="urn:schemas-microsoft-com:mac:vml" xmlns:p="http://schemas.openxmlformats.org/presentationml/2006/main" xmlns:c="http://schemas.openxmlformats.org/drawingml/2006/chart" xmlns:dgm="http://schemas.openxmlformats.org/drawingml/2006/diagram" xmlns:o="urn:schemas-microsoft-com:office:office" xmlns:v="urn:schemas-microsoft-com:vml" xmlns:pvml="urn:schemas-microsoft-com:office:powerpoint" xmlns:com="http://schemas.openxmlformats.org/drawingml/2006/compatibility" xmlns:p14="http://schemas.microsoft.com/office/powerpoint/2010/main" xmlns:p15="http://schemas.microsoft.com/office/powerpoint/2012/main" showMasterPhAnim="0" showMasterSp="0">
+  <p:cSld>
+    <p:spTree>
+      <p:nvGrpSpPr>
+        <p:cNvPr id="391" name="Shape 391"/>
+        <p:cNvGrpSpPr/>
+        <p:nvPr/>
+      </p:nvGrpSpPr>
+      <p:grpSpPr>
+        <a:xfrm>
+          <a:off x="0" y="0"/>
+          <a:ext cx="0" cy="0"/>
+          <a:chOff x="0" y="0"/>
+          <a:chExt cx="0" cy="0"/>
+        </a:xfrm>
+      </p:grpSpPr>
+      <p:sp>
+        <p:nvSpPr>
+          <p:cNvPr id="392" name="Google Shape;392;g33a2d7f8f3_0_532:notes"/>
+          <p:cNvSpPr/>
+          <p:nvPr>
+            <p:ph idx="2" type="sldImg"/>
+          </p:nvPr>
+        </p:nvSpPr>
+        <p:spPr>
+          <a:xfrm>
+            <a:off x="381300" y="685800"/>
+            <a:ext cx="6096000" cy="3429000"/>
+          </a:xfrm>
+          <a:custGeom>
+            <a:rect b="b" l="l" r="r" t="t"/>
+            <a:pathLst>
+              <a:path extrusionOk="0" h="120000" w="120000">
+                <a:moveTo>
+                  <a:pt x="0" y="0"/>
+                </a:moveTo>
+                <a:lnTo>
+                  <a:pt x="120000" y="0"/>
+                </a:lnTo>
+                <a:lnTo>
+                  <a:pt x="120000" y="120000"/>
+                </a:lnTo>
+                <a:lnTo>
+                  <a:pt x="0" y="120000"/>
+                </a:lnTo>
+                <a:close/>
+              </a:path>
+            </a:pathLst>
+          </a:custGeom>
+        </p:spPr>
+      </p:sp>
+      <p:sp>
+        <p:nvSpPr>
+          <p:cNvPr id="393" name="Google Shape;393;g33a2d7f8f3_0_532:notes"/>
+          <p:cNvSpPr txBox="1"/>
+          <p:nvPr>
+            <p:ph idx="1" type="body"/>
+          </p:nvPr>
+        </p:nvSpPr>
+        <p:spPr>
+          <a:xfrm>
+            <a:off x="685800" y="4343400"/>
+            <a:ext cx="5486400" cy="4114800"/>
+          </a:xfrm>
+          <a:prstGeom prst="rect">
+            <a:avLst/>
+          </a:prstGeom>
+        </p:spPr>
+        <p:txBody>
+          <a:bodyPr anchorCtr="0" anchor="t" bIns="91425" lIns="91425" spcFirstLastPara="1" rIns="91425" wrap="square" tIns="91425">
+            <a:noAutofit/>
+          </a:bodyPr>
+          <a:lstStyle/>
+          <a:p>
+            <a:pPr indent="0" lvl="0" marL="0" rtl="0" algn="l">
+              <a:spcBef>
+                <a:spcPts val="0"/>
+              </a:spcBef>
+              <a:spcAft>
+                <a:spcPts val="0"/>
+              </a:spcAft>
+              <a:buNone/>
+            </a:pPr>
+            <a:r>
+              <a:t/>
+            </a:r>
+            <a:endParaRPr/>
+          </a:p>
+        </p:txBody>
+      </p:sp>
+    </p:spTree>
+  </p:cSld>
+  <p:clrMapOvr>
+    <a:masterClrMapping/>
+  </p:clrMapOvr>
+</p:notes>
+</file>
+
+<file path=ppt/notesSlides/notesSlide56.xml><?xml version="1.0" encoding="utf-8"?>
+<p:notes xmlns:a="http://schemas.openxmlformats.org/drawingml/2006/main" xmlns:r="http://schemas.openxmlformats.org/officeDocument/2006/relationships" xmlns:mc="http://schemas.openxmlformats.org/markup-compatibility/2006" xmlns:mv="urn:schemas-microsoft-com:mac:vml" xmlns:p="http://schemas.openxmlformats.org/presentationml/2006/main" xmlns:c="http://schemas.openxmlformats.org/drawingml/2006/chart" xmlns:dgm="http://schemas.openxmlformats.org/drawingml/2006/diagram" xmlns:o="urn:schemas-microsoft-com:office:office" xmlns:v="urn:schemas-microsoft-com:vml" xmlns:pvml="urn:schemas-microsoft-com:office:powerpoint" xmlns:com="http://schemas.openxmlformats.org/drawingml/2006/compatibility" xmlns:p14="http://schemas.microsoft.com/office/powerpoint/2010/main" xmlns:p15="http://schemas.microsoft.com/office/powerpoint/2012/main" showMasterPhAnim="0" showMasterSp="0">
+  <p:cSld>
+    <p:spTree>
+      <p:nvGrpSpPr>
+        <p:cNvPr id="397" name="Shape 397"/>
+        <p:cNvGrpSpPr/>
+        <p:nvPr/>
+      </p:nvGrpSpPr>
+      <p:grpSpPr>
+        <a:xfrm>
+          <a:off x="0" y="0"/>
+          <a:ext cx="0" cy="0"/>
+          <a:chOff x="0" y="0"/>
+          <a:chExt cx="0" cy="0"/>
+        </a:xfrm>
+      </p:grpSpPr>
+      <p:sp>
+        <p:nvSpPr>
+          <p:cNvPr id="398" name="Google Shape;398;g49a9cd024d_0_20:notes"/>
+          <p:cNvSpPr/>
+          <p:nvPr>
+            <p:ph idx="2" type="sldImg"/>
+          </p:nvPr>
+        </p:nvSpPr>
+        <p:spPr>
+          <a:xfrm>
+            <a:off x="381300" y="685800"/>
+            <a:ext cx="6096000" cy="3429000"/>
+          </a:xfrm>
+          <a:custGeom>
+            <a:rect b="b" l="l" r="r" t="t"/>
+            <a:pathLst>
+              <a:path extrusionOk="0" h="120000" w="120000">
+                <a:moveTo>
+                  <a:pt x="0" y="0"/>
+                </a:moveTo>
+                <a:lnTo>
+                  <a:pt x="120000" y="0"/>
+                </a:lnTo>
+                <a:lnTo>
+                  <a:pt x="120000" y="120000"/>
+                </a:lnTo>
+                <a:lnTo>
+                  <a:pt x="0" y="120000"/>
+                </a:lnTo>
+                <a:close/>
+              </a:path>
+            </a:pathLst>
+          </a:custGeom>
+        </p:spPr>
+      </p:sp>
+      <p:sp>
+        <p:nvSpPr>
+          <p:cNvPr id="399" name="Google Shape;399;g49a9cd024d_0_20:notes"/>
+          <p:cNvSpPr txBox="1"/>
+          <p:nvPr>
+            <p:ph idx="1" type="body"/>
+          </p:nvPr>
+        </p:nvSpPr>
+        <p:spPr>
+          <a:xfrm>
+            <a:off x="685800" y="4343400"/>
+            <a:ext cx="5486400" cy="4114800"/>
+          </a:xfrm>
+          <a:prstGeom prst="rect">
+            <a:avLst/>
+          </a:prstGeom>
+        </p:spPr>
+        <p:txBody>
+          <a:bodyPr anchorCtr="0" anchor="t" bIns="91425" lIns="91425" spcFirstLastPara="1" rIns="91425" wrap="square" tIns="91425">
+            <a:noAutofit/>
+          </a:bodyPr>
+          <a:lstStyle/>
+          <a:p>
+            <a:pPr indent="0" lvl="0" marL="0" rtl="0" algn="l">
+              <a:spcBef>
+                <a:spcPts val="0"/>
+              </a:spcBef>
+              <a:spcAft>
+                <a:spcPts val="0"/>
+              </a:spcAft>
+              <a:buNone/>
+            </a:pPr>
+            <a:r>
+              <a:t/>
+            </a:r>
+            <a:endParaRPr/>
+          </a:p>
+        </p:txBody>
+      </p:sp>
+    </p:spTree>
+  </p:cSld>
+  <p:clrMapOvr>
+    <a:masterClrMapping/>
+  </p:clrMapOvr>
+</p:notes>
+</file>
+
+<file path=ppt/notesSlides/notesSlide57.xml><?xml version="1.0" encoding="utf-8"?>
+<p:notes xmlns:a="http://schemas.openxmlformats.org/drawingml/2006/main" xmlns:r="http://schemas.openxmlformats.org/officeDocument/2006/relationships" xmlns:mc="http://schemas.openxmlformats.org/markup-compatibility/2006" xmlns:mv="urn:schemas-microsoft-com:mac:vml" xmlns:p="http://schemas.openxmlformats.org/presentationml/2006/main" xmlns:c="http://schemas.openxmlformats.org/drawingml/2006/chart" xmlns:dgm="http://schemas.openxmlformats.org/drawingml/2006/diagram" xmlns:o="urn:schemas-microsoft-com:office:office" xmlns:v="urn:schemas-microsoft-com:vml" xmlns:pvml="urn:schemas-microsoft-com:office:powerpoint" xmlns:com="http://schemas.openxmlformats.org/drawingml/2006/compatibility" xmlns:p14="http://schemas.microsoft.com/office/powerpoint/2010/main" xmlns:p15="http://schemas.microsoft.com/office/powerpoint/2012/main" showMasterPhAnim="0" showMasterSp="0">
+  <p:cSld>
+    <p:spTree>
+      <p:nvGrpSpPr>
+        <p:cNvPr id="403" name="Shape 403"/>
+        <p:cNvGrpSpPr/>
+        <p:nvPr/>
+      </p:nvGrpSpPr>
+      <p:grpSpPr>
+        <a:xfrm>
+          <a:off x="0" y="0"/>
+          <a:ext cx="0" cy="0"/>
+          <a:chOff x="0" y="0"/>
+          <a:chExt cx="0" cy="0"/>
+        </a:xfrm>
+      </p:grpSpPr>
+      <p:sp>
+        <p:nvSpPr>
+          <p:cNvPr id="404" name="Google Shape;404;g49a9cd024d_0_26:notes"/>
+          <p:cNvSpPr/>
+          <p:nvPr>
+            <p:ph idx="2" type="sldImg"/>
+          </p:nvPr>
+        </p:nvSpPr>
+        <p:spPr>
+          <a:xfrm>
+            <a:off x="381300" y="685800"/>
+            <a:ext cx="6096000" cy="3429000"/>
+          </a:xfrm>
+          <a:custGeom>
+            <a:rect b="b" l="l" r="r" t="t"/>
+            <a:pathLst>
+              <a:path extrusionOk="0" h="120000" w="120000">
+                <a:moveTo>
+                  <a:pt x="0" y="0"/>
+                </a:moveTo>
+                <a:lnTo>
+                  <a:pt x="120000" y="0"/>
+                </a:lnTo>
+                <a:lnTo>
+                  <a:pt x="120000" y="120000"/>
+                </a:lnTo>
+                <a:lnTo>
+                  <a:pt x="0" y="120000"/>
+                </a:lnTo>
+                <a:close/>
+              </a:path>
+            </a:pathLst>
+          </a:custGeom>
+        </p:spPr>
+      </p:sp>
+      <p:sp>
+        <p:nvSpPr>
+          <p:cNvPr id="405" name="Google Shape;405;g49a9cd024d_0_26:notes"/>
+          <p:cNvSpPr txBox="1"/>
+          <p:nvPr>
+            <p:ph idx="1" type="body"/>
+          </p:nvPr>
+        </p:nvSpPr>
+        <p:spPr>
+          <a:xfrm>
+            <a:off x="685800" y="4343400"/>
+            <a:ext cx="5486400" cy="4114800"/>
+          </a:xfrm>
+          <a:prstGeom prst="rect">
+            <a:avLst/>
+          </a:prstGeom>
+        </p:spPr>
+        <p:txBody>
+          <a:bodyPr anchorCtr="0" anchor="t" bIns="91425" lIns="91425" spcFirstLastPara="1" rIns="91425" wrap="square" tIns="91425">
+            <a:noAutofit/>
+          </a:bodyPr>
+          <a:lstStyle/>
+          <a:p>
+            <a:pPr indent="0" lvl="0" marL="0" rtl="0" algn="l">
+              <a:spcBef>
+                <a:spcPts val="0"/>
+              </a:spcBef>
+              <a:spcAft>
+                <a:spcPts val="0"/>
+              </a:spcAft>
+              <a:buNone/>
+            </a:pPr>
+            <a:r>
+              <a:t/>
+            </a:r>
+            <a:endParaRPr/>
+          </a:p>
+        </p:txBody>
+      </p:sp>
+    </p:spTree>
+  </p:cSld>
+  <p:clrMapOvr>
+    <a:masterClrMapping/>
+  </p:clrMapOvr>
+</p:notes>
+</file>
+
+<file path=ppt/notesSlides/notesSlide58.xml><?xml version="1.0" encoding="utf-8"?>
+<p:notes xmlns:a="http://schemas.openxmlformats.org/drawingml/2006/main" xmlns:r="http://schemas.openxmlformats.org/officeDocument/2006/relationships" xmlns:mc="http://schemas.openxmlformats.org/markup-compatibility/2006" xmlns:mv="urn:schemas-microsoft-com:mac:vml" xmlns:p="http://schemas.openxmlformats.org/presentationml/2006/main" xmlns:c="http://schemas.openxmlformats.org/drawingml/2006/chart" xmlns:dgm="http://schemas.openxmlformats.org/drawingml/2006/diagram" xmlns:o="urn:schemas-microsoft-com:office:office" xmlns:v="urn:schemas-microsoft-com:vml" xmlns:pvml="urn:schemas-microsoft-com:office:powerpoint" xmlns:com="http://schemas.openxmlformats.org/drawingml/2006/compatibility" xmlns:p14="http://schemas.microsoft.com/office/powerpoint/2010/main" xmlns:p15="http://schemas.microsoft.com/office/powerpoint/2012/main" showMasterPhAnim="0" showMasterSp="0">
+  <p:cSld>
+    <p:spTree>
+      <p:nvGrpSpPr>
+        <p:cNvPr id="409" name="Shape 409"/>
+        <p:cNvGrpSpPr/>
+        <p:nvPr/>
+      </p:nvGrpSpPr>
+      <p:grpSpPr>
+        <a:xfrm>
+          <a:off x="0" y="0"/>
+          <a:ext cx="0" cy="0"/>
+          <a:chOff x="0" y="0"/>
+          <a:chExt cx="0" cy="0"/>
+        </a:xfrm>
+      </p:grpSpPr>
+      <p:sp>
+        <p:nvSpPr>
+          <p:cNvPr id="410" name="Google Shape;410;g49a9cd024d_0_31:notes"/>
+          <p:cNvSpPr/>
+          <p:nvPr>
+            <p:ph idx="2" type="sldImg"/>
+          </p:nvPr>
+        </p:nvSpPr>
+        <p:spPr>
+          <a:xfrm>
+            <a:off x="381300" y="685800"/>
+            <a:ext cx="6096000" cy="3429000"/>
+          </a:xfrm>
+          <a:custGeom>
+            <a:rect b="b" l="l" r="r" t="t"/>
+            <a:pathLst>
+              <a:path extrusionOk="0" h="120000" w="120000">
+                <a:moveTo>
+                  <a:pt x="0" y="0"/>
+                </a:moveTo>
+                <a:lnTo>
+                  <a:pt x="120000" y="0"/>
+                </a:lnTo>
+                <a:lnTo>
+                  <a:pt x="120000" y="120000"/>
+                </a:lnTo>
+                <a:lnTo>
+                  <a:pt x="0" y="120000"/>
+                </a:lnTo>
+                <a:close/>
+              </a:path>
+            </a:pathLst>
+          </a:custGeom>
+        </p:spPr>
+      </p:sp>
+      <p:sp>
+        <p:nvSpPr>
+          <p:cNvPr id="411" name="Google Shape;411;g49a9cd024d_0_31:notes"/>
+          <p:cNvSpPr txBox="1"/>
+          <p:nvPr>
+            <p:ph idx="1" type="body"/>
+          </p:nvPr>
+        </p:nvSpPr>
+        <p:spPr>
+          <a:xfrm>
+            <a:off x="685800" y="4343400"/>
+            <a:ext cx="5486400" cy="4114800"/>
+          </a:xfrm>
+          <a:prstGeom prst="rect">
+            <a:avLst/>
+          </a:prstGeom>
+        </p:spPr>
+        <p:txBody>
+          <a:bodyPr anchorCtr="0" anchor="t" bIns="91425" lIns="91425" spcFirstLastPara="1" rIns="91425" wrap="square" tIns="91425">
+            <a:noAutofit/>
+          </a:bodyPr>
+          <a:lstStyle/>
+          <a:p>
+            <a:pPr indent="0" lvl="0" marL="0" rtl="0" algn="l">
+              <a:spcBef>
+                <a:spcPts val="0"/>
+              </a:spcBef>
+              <a:spcAft>
+                <a:spcPts val="0"/>
+              </a:spcAft>
+              <a:buNone/>
+            </a:pPr>
+            <a:r>
+              <a:t/>
+            </a:r>
+            <a:endParaRPr/>
+          </a:p>
+        </p:txBody>
+      </p:sp>
+    </p:spTree>
+  </p:cSld>
+  <p:clrMapOvr>
+    <a:masterClrMapping/>
+  </p:clrMapOvr>
+</p:notes>
+</file>
+
+<file path=ppt/notesSlides/notesSlide59.xml><?xml version="1.0" encoding="utf-8"?>
+<p:notes xmlns:a="http://schemas.openxmlformats.org/drawingml/2006/main" xmlns:r="http://schemas.openxmlformats.org/officeDocument/2006/relationships" xmlns:mc="http://schemas.openxmlformats.org/markup-compatibility/2006" xmlns:mv="urn:schemas-microsoft-com:mac:vml" xmlns:p="http://schemas.openxmlformats.org/presentationml/2006/main" xmlns:c="http://schemas.openxmlformats.org/drawingml/2006/chart" xmlns:dgm="http://schemas.openxmlformats.org/drawingml/2006/diagram" xmlns:o="urn:schemas-microsoft-com:office:office" xmlns:v="urn:schemas-microsoft-com:vml" xmlns:pvml="urn:schemas-microsoft-com:office:powerpoint" xmlns:com="http://schemas.openxmlformats.org/drawingml/2006/compatibility" xmlns:p14="http://schemas.microsoft.com/office/powerpoint/2010/main" xmlns:p15="http://schemas.microsoft.com/office/powerpoint/2012/main" showMasterPhAnim="0" showMasterSp="0">
+  <p:cSld>
+    <p:spTree>
+      <p:nvGrpSpPr>
+        <p:cNvPr id="415" name="Shape 415"/>
+        <p:cNvGrpSpPr/>
+        <p:nvPr/>
+      </p:nvGrpSpPr>
+      <p:grpSpPr>
+        <a:xfrm>
+          <a:off x="0" y="0"/>
+          <a:ext cx="0" cy="0"/>
+          <a:chOff x="0" y="0"/>
+          <a:chExt cx="0" cy="0"/>
+        </a:xfrm>
+      </p:grpSpPr>
+      <p:sp>
+        <p:nvSpPr>
+          <p:cNvPr id="416" name="Google Shape;416;g49a9cd024d_0_36:notes"/>
+          <p:cNvSpPr/>
+          <p:nvPr>
+            <p:ph idx="2" type="sldImg"/>
+          </p:nvPr>
+        </p:nvSpPr>
+        <p:spPr>
+          <a:xfrm>
+            <a:off x="381300" y="685800"/>
+            <a:ext cx="6096000" cy="3429000"/>
+          </a:xfrm>
+          <a:custGeom>
+            <a:rect b="b" l="l" r="r" t="t"/>
+            <a:pathLst>
+              <a:path extrusionOk="0" h="120000" w="120000">
+                <a:moveTo>
+                  <a:pt x="0" y="0"/>
+                </a:moveTo>
+                <a:lnTo>
+                  <a:pt x="120000" y="0"/>
+                </a:lnTo>
+                <a:lnTo>
+                  <a:pt x="120000" y="120000"/>
+                </a:lnTo>
+                <a:lnTo>
+                  <a:pt x="0" y="120000"/>
+                </a:lnTo>
+                <a:close/>
+              </a:path>
+            </a:pathLst>
+          </a:custGeom>
+        </p:spPr>
+      </p:sp>
+      <p:sp>
+        <p:nvSpPr>
+          <p:cNvPr id="417" name="Google Shape;417;g49a9cd024d_0_36:notes"/>
           <p:cNvSpPr txBox="1"/>
           <p:nvPr>
             <p:ph idx="1" type="body"/>
@@ -5742,6 +6247,501 @@
       <p:sp>
         <p:nvSpPr>
           <p:cNvPr id="82" name="Google Shape;82;g33a2d7f8f3_0_69:notes"/>
+          <p:cNvSpPr txBox="1"/>
+          <p:nvPr>
+            <p:ph idx="1" type="body"/>
+          </p:nvPr>
+        </p:nvSpPr>
+        <p:spPr>
+          <a:xfrm>
+            <a:off x="685800" y="4343400"/>
+            <a:ext cx="5486400" cy="4114800"/>
+          </a:xfrm>
+          <a:prstGeom prst="rect">
+            <a:avLst/>
+          </a:prstGeom>
+        </p:spPr>
+        <p:txBody>
+          <a:bodyPr anchorCtr="0" anchor="t" bIns="91425" lIns="91425" spcFirstLastPara="1" rIns="91425" wrap="square" tIns="91425">
+            <a:noAutofit/>
+          </a:bodyPr>
+          <a:lstStyle/>
+          <a:p>
+            <a:pPr indent="0" lvl="0" marL="0" rtl="0" algn="l">
+              <a:spcBef>
+                <a:spcPts val="0"/>
+              </a:spcBef>
+              <a:spcAft>
+                <a:spcPts val="0"/>
+              </a:spcAft>
+              <a:buNone/>
+            </a:pPr>
+            <a:r>
+              <a:t/>
+            </a:r>
+            <a:endParaRPr/>
+          </a:p>
+        </p:txBody>
+      </p:sp>
+    </p:spTree>
+  </p:cSld>
+  <p:clrMapOvr>
+    <a:masterClrMapping/>
+  </p:clrMapOvr>
+</p:notes>
+</file>
+
+<file path=ppt/notesSlides/notesSlide60.xml><?xml version="1.0" encoding="utf-8"?>
+<p:notes xmlns:a="http://schemas.openxmlformats.org/drawingml/2006/main" xmlns:r="http://schemas.openxmlformats.org/officeDocument/2006/relationships" xmlns:mc="http://schemas.openxmlformats.org/markup-compatibility/2006" xmlns:mv="urn:schemas-microsoft-com:mac:vml" xmlns:p="http://schemas.openxmlformats.org/presentationml/2006/main" xmlns:c="http://schemas.openxmlformats.org/drawingml/2006/chart" xmlns:dgm="http://schemas.openxmlformats.org/drawingml/2006/diagram" xmlns:o="urn:schemas-microsoft-com:office:office" xmlns:v="urn:schemas-microsoft-com:vml" xmlns:pvml="urn:schemas-microsoft-com:office:powerpoint" xmlns:com="http://schemas.openxmlformats.org/drawingml/2006/compatibility" xmlns:p14="http://schemas.microsoft.com/office/powerpoint/2010/main" xmlns:p15="http://schemas.microsoft.com/office/powerpoint/2012/main" showMasterPhAnim="0" showMasterSp="0">
+  <p:cSld>
+    <p:spTree>
+      <p:nvGrpSpPr>
+        <p:cNvPr id="421" name="Shape 421"/>
+        <p:cNvGrpSpPr/>
+        <p:nvPr/>
+      </p:nvGrpSpPr>
+      <p:grpSpPr>
+        <a:xfrm>
+          <a:off x="0" y="0"/>
+          <a:ext cx="0" cy="0"/>
+          <a:chOff x="0" y="0"/>
+          <a:chExt cx="0" cy="0"/>
+        </a:xfrm>
+      </p:grpSpPr>
+      <p:sp>
+        <p:nvSpPr>
+          <p:cNvPr id="422" name="Google Shape;422;g49a9cd024d_0_41:notes"/>
+          <p:cNvSpPr/>
+          <p:nvPr>
+            <p:ph idx="2" type="sldImg"/>
+          </p:nvPr>
+        </p:nvSpPr>
+        <p:spPr>
+          <a:xfrm>
+            <a:off x="381300" y="685800"/>
+            <a:ext cx="6096000" cy="3429000"/>
+          </a:xfrm>
+          <a:custGeom>
+            <a:rect b="b" l="l" r="r" t="t"/>
+            <a:pathLst>
+              <a:path extrusionOk="0" h="120000" w="120000">
+                <a:moveTo>
+                  <a:pt x="0" y="0"/>
+                </a:moveTo>
+                <a:lnTo>
+                  <a:pt x="120000" y="0"/>
+                </a:lnTo>
+                <a:lnTo>
+                  <a:pt x="120000" y="120000"/>
+                </a:lnTo>
+                <a:lnTo>
+                  <a:pt x="0" y="120000"/>
+                </a:lnTo>
+                <a:close/>
+              </a:path>
+            </a:pathLst>
+          </a:custGeom>
+        </p:spPr>
+      </p:sp>
+      <p:sp>
+        <p:nvSpPr>
+          <p:cNvPr id="423" name="Google Shape;423;g49a9cd024d_0_41:notes"/>
+          <p:cNvSpPr txBox="1"/>
+          <p:nvPr>
+            <p:ph idx="1" type="body"/>
+          </p:nvPr>
+        </p:nvSpPr>
+        <p:spPr>
+          <a:xfrm>
+            <a:off x="685800" y="4343400"/>
+            <a:ext cx="5486400" cy="4114800"/>
+          </a:xfrm>
+          <a:prstGeom prst="rect">
+            <a:avLst/>
+          </a:prstGeom>
+        </p:spPr>
+        <p:txBody>
+          <a:bodyPr anchorCtr="0" anchor="t" bIns="91425" lIns="91425" spcFirstLastPara="1" rIns="91425" wrap="square" tIns="91425">
+            <a:noAutofit/>
+          </a:bodyPr>
+          <a:lstStyle/>
+          <a:p>
+            <a:pPr indent="0" lvl="0" marL="0" rtl="0" algn="l">
+              <a:spcBef>
+                <a:spcPts val="0"/>
+              </a:spcBef>
+              <a:spcAft>
+                <a:spcPts val="0"/>
+              </a:spcAft>
+              <a:buNone/>
+            </a:pPr>
+            <a:r>
+              <a:t/>
+            </a:r>
+            <a:endParaRPr/>
+          </a:p>
+        </p:txBody>
+      </p:sp>
+    </p:spTree>
+  </p:cSld>
+  <p:clrMapOvr>
+    <a:masterClrMapping/>
+  </p:clrMapOvr>
+</p:notes>
+</file>
+
+<file path=ppt/notesSlides/notesSlide61.xml><?xml version="1.0" encoding="utf-8"?>
+<p:notes xmlns:a="http://schemas.openxmlformats.org/drawingml/2006/main" xmlns:r="http://schemas.openxmlformats.org/officeDocument/2006/relationships" xmlns:mc="http://schemas.openxmlformats.org/markup-compatibility/2006" xmlns:mv="urn:schemas-microsoft-com:mac:vml" xmlns:p="http://schemas.openxmlformats.org/presentationml/2006/main" xmlns:c="http://schemas.openxmlformats.org/drawingml/2006/chart" xmlns:dgm="http://schemas.openxmlformats.org/drawingml/2006/diagram" xmlns:o="urn:schemas-microsoft-com:office:office" xmlns:v="urn:schemas-microsoft-com:vml" xmlns:pvml="urn:schemas-microsoft-com:office:powerpoint" xmlns:com="http://schemas.openxmlformats.org/drawingml/2006/compatibility" xmlns:p14="http://schemas.microsoft.com/office/powerpoint/2010/main" xmlns:p15="http://schemas.microsoft.com/office/powerpoint/2012/main" showMasterPhAnim="0" showMasterSp="0">
+  <p:cSld>
+    <p:spTree>
+      <p:nvGrpSpPr>
+        <p:cNvPr id="427" name="Shape 427"/>
+        <p:cNvGrpSpPr/>
+        <p:nvPr/>
+      </p:nvGrpSpPr>
+      <p:grpSpPr>
+        <a:xfrm>
+          <a:off x="0" y="0"/>
+          <a:ext cx="0" cy="0"/>
+          <a:chOff x="0" y="0"/>
+          <a:chExt cx="0" cy="0"/>
+        </a:xfrm>
+      </p:grpSpPr>
+      <p:sp>
+        <p:nvSpPr>
+          <p:cNvPr id="428" name="Google Shape;428;g49a9cd024d_0_46:notes"/>
+          <p:cNvSpPr/>
+          <p:nvPr>
+            <p:ph idx="2" type="sldImg"/>
+          </p:nvPr>
+        </p:nvSpPr>
+        <p:spPr>
+          <a:xfrm>
+            <a:off x="381300" y="685800"/>
+            <a:ext cx="6096000" cy="3429000"/>
+          </a:xfrm>
+          <a:custGeom>
+            <a:rect b="b" l="l" r="r" t="t"/>
+            <a:pathLst>
+              <a:path extrusionOk="0" h="120000" w="120000">
+                <a:moveTo>
+                  <a:pt x="0" y="0"/>
+                </a:moveTo>
+                <a:lnTo>
+                  <a:pt x="120000" y="0"/>
+                </a:lnTo>
+                <a:lnTo>
+                  <a:pt x="120000" y="120000"/>
+                </a:lnTo>
+                <a:lnTo>
+                  <a:pt x="0" y="120000"/>
+                </a:lnTo>
+                <a:close/>
+              </a:path>
+            </a:pathLst>
+          </a:custGeom>
+        </p:spPr>
+      </p:sp>
+      <p:sp>
+        <p:nvSpPr>
+          <p:cNvPr id="429" name="Google Shape;429;g49a9cd024d_0_46:notes"/>
+          <p:cNvSpPr txBox="1"/>
+          <p:nvPr>
+            <p:ph idx="1" type="body"/>
+          </p:nvPr>
+        </p:nvSpPr>
+        <p:spPr>
+          <a:xfrm>
+            <a:off x="685800" y="4343400"/>
+            <a:ext cx="5486400" cy="4114800"/>
+          </a:xfrm>
+          <a:prstGeom prst="rect">
+            <a:avLst/>
+          </a:prstGeom>
+        </p:spPr>
+        <p:txBody>
+          <a:bodyPr anchorCtr="0" anchor="t" bIns="91425" lIns="91425" spcFirstLastPara="1" rIns="91425" wrap="square" tIns="91425">
+            <a:noAutofit/>
+          </a:bodyPr>
+          <a:lstStyle/>
+          <a:p>
+            <a:pPr indent="0" lvl="0" marL="0" rtl="0" algn="l">
+              <a:spcBef>
+                <a:spcPts val="0"/>
+              </a:spcBef>
+              <a:spcAft>
+                <a:spcPts val="0"/>
+              </a:spcAft>
+              <a:buNone/>
+            </a:pPr>
+            <a:r>
+              <a:t/>
+            </a:r>
+            <a:endParaRPr/>
+          </a:p>
+        </p:txBody>
+      </p:sp>
+    </p:spTree>
+  </p:cSld>
+  <p:clrMapOvr>
+    <a:masterClrMapping/>
+  </p:clrMapOvr>
+</p:notes>
+</file>
+
+<file path=ppt/notesSlides/notesSlide62.xml><?xml version="1.0" encoding="utf-8"?>
+<p:notes xmlns:a="http://schemas.openxmlformats.org/drawingml/2006/main" xmlns:r="http://schemas.openxmlformats.org/officeDocument/2006/relationships" xmlns:mc="http://schemas.openxmlformats.org/markup-compatibility/2006" xmlns:mv="urn:schemas-microsoft-com:mac:vml" xmlns:p="http://schemas.openxmlformats.org/presentationml/2006/main" xmlns:c="http://schemas.openxmlformats.org/drawingml/2006/chart" xmlns:dgm="http://schemas.openxmlformats.org/drawingml/2006/diagram" xmlns:o="urn:schemas-microsoft-com:office:office" xmlns:v="urn:schemas-microsoft-com:vml" xmlns:pvml="urn:schemas-microsoft-com:office:powerpoint" xmlns:com="http://schemas.openxmlformats.org/drawingml/2006/compatibility" xmlns:p14="http://schemas.microsoft.com/office/powerpoint/2010/main" xmlns:p15="http://schemas.microsoft.com/office/powerpoint/2012/main" showMasterPhAnim="0" showMasterSp="0">
+  <p:cSld>
+    <p:spTree>
+      <p:nvGrpSpPr>
+        <p:cNvPr id="433" name="Shape 433"/>
+        <p:cNvGrpSpPr/>
+        <p:nvPr/>
+      </p:nvGrpSpPr>
+      <p:grpSpPr>
+        <a:xfrm>
+          <a:off x="0" y="0"/>
+          <a:ext cx="0" cy="0"/>
+          <a:chOff x="0" y="0"/>
+          <a:chExt cx="0" cy="0"/>
+        </a:xfrm>
+      </p:grpSpPr>
+      <p:sp>
+        <p:nvSpPr>
+          <p:cNvPr id="434" name="Google Shape;434;g49a9cd024d_0_51:notes"/>
+          <p:cNvSpPr/>
+          <p:nvPr>
+            <p:ph idx="2" type="sldImg"/>
+          </p:nvPr>
+        </p:nvSpPr>
+        <p:spPr>
+          <a:xfrm>
+            <a:off x="381300" y="685800"/>
+            <a:ext cx="6096000" cy="3429000"/>
+          </a:xfrm>
+          <a:custGeom>
+            <a:rect b="b" l="l" r="r" t="t"/>
+            <a:pathLst>
+              <a:path extrusionOk="0" h="120000" w="120000">
+                <a:moveTo>
+                  <a:pt x="0" y="0"/>
+                </a:moveTo>
+                <a:lnTo>
+                  <a:pt x="120000" y="0"/>
+                </a:lnTo>
+                <a:lnTo>
+                  <a:pt x="120000" y="120000"/>
+                </a:lnTo>
+                <a:lnTo>
+                  <a:pt x="0" y="120000"/>
+                </a:lnTo>
+                <a:close/>
+              </a:path>
+            </a:pathLst>
+          </a:custGeom>
+        </p:spPr>
+      </p:sp>
+      <p:sp>
+        <p:nvSpPr>
+          <p:cNvPr id="435" name="Google Shape;435;g49a9cd024d_0_51:notes"/>
+          <p:cNvSpPr txBox="1"/>
+          <p:nvPr>
+            <p:ph idx="1" type="body"/>
+          </p:nvPr>
+        </p:nvSpPr>
+        <p:spPr>
+          <a:xfrm>
+            <a:off x="685800" y="4343400"/>
+            <a:ext cx="5486400" cy="4114800"/>
+          </a:xfrm>
+          <a:prstGeom prst="rect">
+            <a:avLst/>
+          </a:prstGeom>
+        </p:spPr>
+        <p:txBody>
+          <a:bodyPr anchorCtr="0" anchor="t" bIns="91425" lIns="91425" spcFirstLastPara="1" rIns="91425" wrap="square" tIns="91425">
+            <a:noAutofit/>
+          </a:bodyPr>
+          <a:lstStyle/>
+          <a:p>
+            <a:pPr indent="0" lvl="0" marL="0" rtl="0" algn="l">
+              <a:spcBef>
+                <a:spcPts val="0"/>
+              </a:spcBef>
+              <a:spcAft>
+                <a:spcPts val="0"/>
+              </a:spcAft>
+              <a:buNone/>
+            </a:pPr>
+            <a:r>
+              <a:t/>
+            </a:r>
+            <a:endParaRPr/>
+          </a:p>
+        </p:txBody>
+      </p:sp>
+    </p:spTree>
+  </p:cSld>
+  <p:clrMapOvr>
+    <a:masterClrMapping/>
+  </p:clrMapOvr>
+</p:notes>
+</file>
+
+<file path=ppt/notesSlides/notesSlide63.xml><?xml version="1.0" encoding="utf-8"?>
+<p:notes xmlns:a="http://schemas.openxmlformats.org/drawingml/2006/main" xmlns:r="http://schemas.openxmlformats.org/officeDocument/2006/relationships" xmlns:mc="http://schemas.openxmlformats.org/markup-compatibility/2006" xmlns:mv="urn:schemas-microsoft-com:mac:vml" xmlns:p="http://schemas.openxmlformats.org/presentationml/2006/main" xmlns:c="http://schemas.openxmlformats.org/drawingml/2006/chart" xmlns:dgm="http://schemas.openxmlformats.org/drawingml/2006/diagram" xmlns:o="urn:schemas-microsoft-com:office:office" xmlns:v="urn:schemas-microsoft-com:vml" xmlns:pvml="urn:schemas-microsoft-com:office:powerpoint" xmlns:com="http://schemas.openxmlformats.org/drawingml/2006/compatibility" xmlns:p14="http://schemas.microsoft.com/office/powerpoint/2010/main" xmlns:p15="http://schemas.microsoft.com/office/powerpoint/2012/main" showMasterPhAnim="0" showMasterSp="0">
+  <p:cSld>
+    <p:spTree>
+      <p:nvGrpSpPr>
+        <p:cNvPr id="439" name="Shape 439"/>
+        <p:cNvGrpSpPr/>
+        <p:nvPr/>
+      </p:nvGrpSpPr>
+      <p:grpSpPr>
+        <a:xfrm>
+          <a:off x="0" y="0"/>
+          <a:ext cx="0" cy="0"/>
+          <a:chOff x="0" y="0"/>
+          <a:chExt cx="0" cy="0"/>
+        </a:xfrm>
+      </p:grpSpPr>
+      <p:sp>
+        <p:nvSpPr>
+          <p:cNvPr id="440" name="Google Shape;440;g49a9cd024d_0_56:notes"/>
+          <p:cNvSpPr/>
+          <p:nvPr>
+            <p:ph idx="2" type="sldImg"/>
+          </p:nvPr>
+        </p:nvSpPr>
+        <p:spPr>
+          <a:xfrm>
+            <a:off x="381300" y="685800"/>
+            <a:ext cx="6096000" cy="3429000"/>
+          </a:xfrm>
+          <a:custGeom>
+            <a:rect b="b" l="l" r="r" t="t"/>
+            <a:pathLst>
+              <a:path extrusionOk="0" h="120000" w="120000">
+                <a:moveTo>
+                  <a:pt x="0" y="0"/>
+                </a:moveTo>
+                <a:lnTo>
+                  <a:pt x="120000" y="0"/>
+                </a:lnTo>
+                <a:lnTo>
+                  <a:pt x="120000" y="120000"/>
+                </a:lnTo>
+                <a:lnTo>
+                  <a:pt x="0" y="120000"/>
+                </a:lnTo>
+                <a:close/>
+              </a:path>
+            </a:pathLst>
+          </a:custGeom>
+        </p:spPr>
+      </p:sp>
+      <p:sp>
+        <p:nvSpPr>
+          <p:cNvPr id="441" name="Google Shape;441;g49a9cd024d_0_56:notes"/>
+          <p:cNvSpPr txBox="1"/>
+          <p:nvPr>
+            <p:ph idx="1" type="body"/>
+          </p:nvPr>
+        </p:nvSpPr>
+        <p:spPr>
+          <a:xfrm>
+            <a:off x="685800" y="4343400"/>
+            <a:ext cx="5486400" cy="4114800"/>
+          </a:xfrm>
+          <a:prstGeom prst="rect">
+            <a:avLst/>
+          </a:prstGeom>
+        </p:spPr>
+        <p:txBody>
+          <a:bodyPr anchorCtr="0" anchor="t" bIns="91425" lIns="91425" spcFirstLastPara="1" rIns="91425" wrap="square" tIns="91425">
+            <a:noAutofit/>
+          </a:bodyPr>
+          <a:lstStyle/>
+          <a:p>
+            <a:pPr indent="0" lvl="0" marL="0" rtl="0" algn="l">
+              <a:spcBef>
+                <a:spcPts val="0"/>
+              </a:spcBef>
+              <a:spcAft>
+                <a:spcPts val="0"/>
+              </a:spcAft>
+              <a:buNone/>
+            </a:pPr>
+            <a:r>
+              <a:t/>
+            </a:r>
+            <a:endParaRPr/>
+          </a:p>
+        </p:txBody>
+      </p:sp>
+    </p:spTree>
+  </p:cSld>
+  <p:clrMapOvr>
+    <a:masterClrMapping/>
+  </p:clrMapOvr>
+</p:notes>
+</file>
+
+<file path=ppt/notesSlides/notesSlide64.xml><?xml version="1.0" encoding="utf-8"?>
+<p:notes xmlns:a="http://schemas.openxmlformats.org/drawingml/2006/main" xmlns:r="http://schemas.openxmlformats.org/officeDocument/2006/relationships" xmlns:mc="http://schemas.openxmlformats.org/markup-compatibility/2006" xmlns:mv="urn:schemas-microsoft-com:mac:vml" xmlns:p="http://schemas.openxmlformats.org/presentationml/2006/main" xmlns:c="http://schemas.openxmlformats.org/drawingml/2006/chart" xmlns:dgm="http://schemas.openxmlformats.org/drawingml/2006/diagram" xmlns:o="urn:schemas-microsoft-com:office:office" xmlns:v="urn:schemas-microsoft-com:vml" xmlns:pvml="urn:schemas-microsoft-com:office:powerpoint" xmlns:com="http://schemas.openxmlformats.org/drawingml/2006/compatibility" xmlns:p14="http://schemas.microsoft.com/office/powerpoint/2010/main" xmlns:p15="http://schemas.microsoft.com/office/powerpoint/2012/main" showMasterPhAnim="0" showMasterSp="0">
+  <p:cSld>
+    <p:spTree>
+      <p:nvGrpSpPr>
+        <p:cNvPr id="445" name="Shape 445"/>
+        <p:cNvGrpSpPr/>
+        <p:nvPr/>
+      </p:nvGrpSpPr>
+      <p:grpSpPr>
+        <a:xfrm>
+          <a:off x="0" y="0"/>
+          <a:ext cx="0" cy="0"/>
+          <a:chOff x="0" y="0"/>
+          <a:chExt cx="0" cy="0"/>
+        </a:xfrm>
+      </p:grpSpPr>
+      <p:sp>
+        <p:nvSpPr>
+          <p:cNvPr id="446" name="Google Shape;446;g33a2d7f8f3_0_542:notes"/>
+          <p:cNvSpPr/>
+          <p:nvPr>
+            <p:ph idx="2" type="sldImg"/>
+          </p:nvPr>
+        </p:nvSpPr>
+        <p:spPr>
+          <a:xfrm>
+            <a:off x="381300" y="685800"/>
+            <a:ext cx="6096000" cy="3429000"/>
+          </a:xfrm>
+          <a:custGeom>
+            <a:rect b="b" l="l" r="r" t="t"/>
+            <a:pathLst>
+              <a:path extrusionOk="0" h="120000" w="120000">
+                <a:moveTo>
+                  <a:pt x="0" y="0"/>
+                </a:moveTo>
+                <a:lnTo>
+                  <a:pt x="120000" y="0"/>
+                </a:lnTo>
+                <a:lnTo>
+                  <a:pt x="120000" y="120000"/>
+                </a:lnTo>
+                <a:lnTo>
+                  <a:pt x="0" y="120000"/>
+                </a:lnTo>
+                <a:close/>
+              </a:path>
+            </a:pathLst>
+          </a:custGeom>
+        </p:spPr>
+      </p:sp>
+      <p:sp>
+        <p:nvSpPr>
+          <p:cNvPr id="447" name="Google Shape;447;g33a2d7f8f3_0_542:notes"/>
           <p:cNvSpPr txBox="1"/>
           <p:nvPr>
             <p:ph idx="1" type="body"/>
@@ -18427,7 +19427,7 @@
             <a:tbl>
               <a:tblPr>
                 <a:noFill/>
-                <a:tableStyleId>{329EF5BE-C2B3-4B79-A957-C20433EACFE6}</a:tableStyleId>
+                <a:tableStyleId>{B47E0C78-C3F7-41DF-A0A6-AA2069C481B9}</a:tableStyleId>
               </a:tblPr>
               <a:tblGrid>
                 <a:gridCol w="767575"/>
@@ -18542,7 +19542,7 @@
             <a:tbl>
               <a:tblPr>
                 <a:noFill/>
-                <a:tableStyleId>{329EF5BE-C2B3-4B79-A957-C20433EACFE6}</a:tableStyleId>
+                <a:tableStyleId>{B47E0C78-C3F7-41DF-A0A6-AA2069C481B9}</a:tableStyleId>
               </a:tblPr>
               <a:tblGrid>
                 <a:gridCol w="767575"/>
@@ -18722,7 +19722,7 @@
             <a:tbl>
               <a:tblPr>
                 <a:noFill/>
-                <a:tableStyleId>{329EF5BE-C2B3-4B79-A957-C20433EACFE6}</a:tableStyleId>
+                <a:tableStyleId>{B47E0C78-C3F7-41DF-A0A6-AA2069C481B9}</a:tableStyleId>
               </a:tblPr>
               <a:tblGrid>
                 <a:gridCol w="767575"/>
@@ -18926,7 +19926,7 @@
             <a:tbl>
               <a:tblPr>
                 <a:noFill/>
-                <a:tableStyleId>{329EF5BE-C2B3-4B79-A957-C20433EACFE6}</a:tableStyleId>
+                <a:tableStyleId>{B47E0C78-C3F7-41DF-A0A6-AA2069C481B9}</a:tableStyleId>
               </a:tblPr>
               <a:tblGrid>
                 <a:gridCol w="767575"/>
@@ -19195,7 +20195,7 @@
             <a:tbl>
               <a:tblPr>
                 <a:noFill/>
-                <a:tableStyleId>{329EF5BE-C2B3-4B79-A957-C20433EACFE6}</a:tableStyleId>
+                <a:tableStyleId>{B47E0C78-C3F7-41DF-A0A6-AA2069C481B9}</a:tableStyleId>
               </a:tblPr>
               <a:tblGrid>
                 <a:gridCol w="767575"/>
@@ -19399,7 +20399,7 @@
             <a:tbl>
               <a:tblPr>
                 <a:noFill/>
-                <a:tableStyleId>{329EF5BE-C2B3-4B79-A957-C20433EACFE6}</a:tableStyleId>
+                <a:tableStyleId>{B47E0C78-C3F7-41DF-A0A6-AA2069C481B9}</a:tableStyleId>
               </a:tblPr>
               <a:tblGrid>
                 <a:gridCol w="767575"/>
@@ -20071,7 +21071,7 @@
             <a:tbl>
               <a:tblPr>
                 <a:noFill/>
-                <a:tableStyleId>{329EF5BE-C2B3-4B79-A957-C20433EACFE6}</a:tableStyleId>
+                <a:tableStyleId>{B47E0C78-C3F7-41DF-A0A6-AA2069C481B9}</a:tableStyleId>
               </a:tblPr>
               <a:tblGrid>
                 <a:gridCol w="767575"/>
@@ -20275,7 +21275,7 @@
             <a:tbl>
               <a:tblPr>
                 <a:noFill/>
-                <a:tableStyleId>{329EF5BE-C2B3-4B79-A957-C20433EACFE6}</a:tableStyleId>
+                <a:tableStyleId>{B47E0C78-C3F7-41DF-A0A6-AA2069C481B9}</a:tableStyleId>
               </a:tblPr>
               <a:tblGrid>
                 <a:gridCol w="767575"/>
@@ -20957,7 +21957,7 @@
             <a:tbl>
               <a:tblPr>
                 <a:noFill/>
-                <a:tableStyleId>{329EF5BE-C2B3-4B79-A957-C20433EACFE6}</a:tableStyleId>
+                <a:tableStyleId>{B47E0C78-C3F7-41DF-A0A6-AA2069C481B9}</a:tableStyleId>
               </a:tblPr>
               <a:tblGrid>
                 <a:gridCol w="767575"/>
@@ -21161,7 +22161,7 @@
             <a:tbl>
               <a:tblPr>
                 <a:noFill/>
-                <a:tableStyleId>{329EF5BE-C2B3-4B79-A957-C20433EACFE6}</a:tableStyleId>
+                <a:tableStyleId>{B47E0C78-C3F7-41DF-A0A6-AA2069C481B9}</a:tableStyleId>
               </a:tblPr>
               <a:tblGrid>
                 <a:gridCol w="767575"/>
@@ -21918,7 +22918,7 @@
             <a:tbl>
               <a:tblPr>
                 <a:noFill/>
-                <a:tableStyleId>{329EF5BE-C2B3-4B79-A957-C20433EACFE6}</a:tableStyleId>
+                <a:tableStyleId>{B47E0C78-C3F7-41DF-A0A6-AA2069C481B9}</a:tableStyleId>
               </a:tblPr>
               <a:tblGrid>
                 <a:gridCol w="767575"/>
@@ -22122,7 +23122,7 @@
             <a:tbl>
               <a:tblPr>
                 <a:noFill/>
-                <a:tableStyleId>{329EF5BE-C2B3-4B79-A957-C20433EACFE6}</a:tableStyleId>
+                <a:tableStyleId>{B47E0C78-C3F7-41DF-A0A6-AA2069C481B9}</a:tableStyleId>
               </a:tblPr>
               <a:tblGrid>
                 <a:gridCol w="767575"/>
@@ -23773,7 +24773,23 @@
             </a:pPr>
             <a:r>
               <a:rPr lang="en-GB"/>
-              <a:t>x é o par solução de α em A ou o par solução em β em B</a:t>
+              <a:t>x representa a escolha do par correspondente α</a:t>
+            </a:r>
+            <a:r>
+              <a:rPr baseline="-25000" lang="en-GB"/>
+              <a:t>i</a:t>
+            </a:r>
+            <a:r>
+              <a:rPr lang="en-GB"/>
+              <a:t> ou β</a:t>
+            </a:r>
+            <a:r>
+              <a:rPr baseline="-25000" lang="en-GB"/>
+              <a:t>i</a:t>
+            </a:r>
+            <a:r>
+              <a:rPr lang="en-GB"/>
+              <a:t>. </a:t>
             </a:r>
             <a:endParaRPr/>
           </a:p>
@@ -24989,11 +26005,7 @@
             </a:pPr>
             <a:r>
               <a:rPr lang="en-GB"/>
-              <a:t>I</a:t>
-            </a:r>
-            <a:r>
-              <a:rPr lang="en-GB"/>
-              <a:t>ndecidibilidade</a:t>
+              <a:t>Complemento</a:t>
             </a:r>
             <a:endParaRPr/>
           </a:p>
@@ -25033,7 +26045,7 @@
             </a:pPr>
             <a:r>
               <a:rPr lang="en-GB"/>
-              <a:t>Nós podemos usar L</a:t>
+              <a:t>Dada a L</a:t>
             </a:r>
             <a:r>
               <a:rPr baseline="-25000" lang="en-GB"/>
@@ -25041,19 +26053,19 @@
             </a:r>
             <a:r>
               <a:rPr lang="en-GB"/>
-              <a:t>, L</a:t>
+              <a:t> como linguagem da lista A, L</a:t>
             </a:r>
             <a:r>
               <a:rPr baseline="-25000" lang="en-GB"/>
-              <a:t>B</a:t>
-            </a:r>
-            <a:r>
-              <a:rPr lang="en-GB"/>
-              <a:t> e seus complementos de diversas maneiras para demonstrar </a:t>
-            </a:r>
-            <a:r>
-              <a:rPr lang="en-GB"/>
-              <a:t>indecidibilidade</a:t>
+              <a:t>A</a:t>
+            </a:r>
+            <a:r>
+              <a:rPr baseline="30000" lang="en-GB"/>
+              <a:t>C</a:t>
+            </a:r>
+            <a:r>
+              <a:rPr lang="en-GB"/>
+              <a:t> é uma linguagem livre de contexto.</a:t>
             </a:r>
             <a:endParaRPr/>
           </a:p>
@@ -25063,133 +26075,56 @@
                 <a:spcPts val="1600"/>
               </a:spcBef>
               <a:spcAft>
-                <a:spcPts val="0"/>
-              </a:spcAft>
-              <a:buNone/>
-            </a:pPr>
-            <a:r>
-              <a:rPr lang="en-GB"/>
-              <a:t>Cada uma das provas seguintes envolve reduzir o problema ao de PCP</a:t>
-            </a:r>
-            <a:endParaRPr/>
-          </a:p>
-          <a:p>
-            <a:pPr indent="0" lvl="0" marL="0" rtl="0" algn="l">
-              <a:spcBef>
                 <a:spcPts val="1600"/>
-              </a:spcBef>
-              <a:spcAft>
-                <a:spcPts val="0"/>
-              </a:spcAft>
-              <a:buNone/>
-            </a:pPr>
-            <a:r>
-              <a:rPr lang="en-GB"/>
-              <a:t>L(G</a:t>
+              </a:spcAft>
+              <a:buNone/>
+            </a:pPr>
+            <a:r>
+              <a:rPr lang="en-GB"/>
+              <a:t>Diferente de </a:t>
+            </a:r>
+            <a:r>
+              <a:rPr lang="en-GB"/>
+              <a:t>L</a:t>
             </a:r>
             <a:r>
               <a:rPr baseline="-25000" lang="en-GB"/>
-              <a:t>1</a:t>
-            </a:r>
-            <a:r>
-              <a:rPr lang="en-GB"/>
-              <a:t>) ∩ L(G</a:t>
+              <a:t>A</a:t>
+            </a:r>
+            <a:r>
+              <a:rPr lang="en-GB"/>
+              <a:t>, não é fácil criar uma gramática para L</a:t>
             </a:r>
             <a:r>
               <a:rPr baseline="-25000" lang="en-GB"/>
-              <a:t>2</a:t>
-            </a:r>
-            <a:r>
-              <a:rPr lang="en-GB"/>
-              <a:t>) = ∅</a:t>
-            </a:r>
-            <a:endParaRPr/>
-          </a:p>
-          <a:p>
-            <a:pPr indent="0" lvl="0" marL="0" rtl="0" algn="l">
-              <a:spcBef>
-                <a:spcPts val="1600"/>
-              </a:spcBef>
-              <a:spcAft>
-                <a:spcPts val="0"/>
-              </a:spcAft>
-              <a:buNone/>
-            </a:pPr>
-            <a:r>
-              <a:rPr lang="en-GB"/>
-              <a:t>L(G</a:t>
+              <a:t>A</a:t>
+            </a:r>
+            <a:r>
+              <a:rPr baseline="30000" lang="en-GB"/>
+              <a:t>C</a:t>
+            </a:r>
+            <a:r>
+              <a:rPr lang="en-GB"/>
+              <a:t>,</a:t>
+            </a:r>
+            <a:br>
+              <a:rPr lang="en-GB"/>
+            </a:br>
+            <a:r>
+              <a:rPr lang="en-GB"/>
+              <a:t>mas podemos fazer o design de um autômato com pilha para L</a:t>
             </a:r>
             <a:r>
               <a:rPr baseline="-25000" lang="en-GB"/>
-              <a:t>1</a:t>
-            </a:r>
-            <a:r>
-              <a:rPr lang="en-GB"/>
-              <a:t>) = L(G</a:t>
-            </a:r>
-            <a:r>
-              <a:rPr baseline="-25000" lang="en-GB"/>
-              <a:t>2</a:t>
-            </a:r>
-            <a:r>
-              <a:rPr lang="en-GB"/>
-              <a:t>) </a:t>
-            </a:r>
-            <a:endParaRPr/>
-          </a:p>
-          <a:p>
-            <a:pPr indent="0" lvl="0" marL="0" rtl="0" algn="l">
-              <a:spcBef>
-                <a:spcPts val="1600"/>
-              </a:spcBef>
-              <a:spcAft>
-                <a:spcPts val="0"/>
-              </a:spcAft>
-              <a:buNone/>
-            </a:pPr>
-            <a:r>
-              <a:rPr lang="en-GB"/>
-              <a:t>L(G</a:t>
-            </a:r>
-            <a:r>
-              <a:rPr baseline="-25000" lang="en-GB"/>
-              <a:t>1</a:t>
-            </a:r>
-            <a:r>
-              <a:rPr lang="en-GB"/>
-              <a:t>) ⊆ L(G</a:t>
-            </a:r>
-            <a:r>
-              <a:rPr baseline="-25000" lang="en-GB"/>
-              <a:t>2</a:t>
-            </a:r>
-            <a:r>
-              <a:rPr lang="en-GB"/>
-              <a:t>) </a:t>
-            </a:r>
-            <a:endParaRPr/>
-          </a:p>
-          <a:p>
-            <a:pPr indent="0" lvl="0" marL="0" rtl="0" algn="l">
-              <a:spcBef>
-                <a:spcPts val="1600"/>
-              </a:spcBef>
-              <a:spcAft>
-                <a:spcPts val="1600"/>
-              </a:spcAft>
-              <a:buNone/>
-            </a:pPr>
-            <a:r>
-              <a:rPr lang="en-GB"/>
-              <a:t>L(G</a:t>
-            </a:r>
-            <a:r>
-              <a:rPr baseline="-25000" lang="en-GB"/>
-              <a:t>1</a:t>
-            </a:r>
-            <a:r>
-              <a:rPr lang="en-GB"/>
-              <a:t>) =  ∑*</a:t>
+              <a:t>A</a:t>
+            </a:r>
+            <a:r>
+              <a:rPr baseline="30000" lang="en-GB"/>
+              <a:t>C</a:t>
+            </a:r>
+            <a:r>
+              <a:rPr lang="en-GB"/>
+              <a:t>.</a:t>
             </a:r>
             <a:endParaRPr/>
           </a:p>
@@ -25254,11 +26189,7 @@
             </a:pPr>
             <a:r>
               <a:rPr lang="en-GB"/>
-              <a:t>V</a:t>
-            </a:r>
-            <a:r>
-              <a:rPr lang="en-GB"/>
-              <a:t>acuidade da interseção de LLCs</a:t>
+              <a:t>Complemento</a:t>
             </a:r>
             <a:endParaRPr/>
           </a:p>
@@ -25274,15 +26205,15 @@
         </p:nvSpPr>
         <p:spPr>
           <a:xfrm>
-            <a:off x="311700" y="1152475"/>
-            <a:ext cx="8520600" cy="3416400"/>
+            <a:off x="311700" y="1152000"/>
+            <a:ext cx="8520600" cy="3991500"/>
           </a:xfrm>
           <a:prstGeom prst="rect">
             <a:avLst/>
           </a:prstGeom>
         </p:spPr>
         <p:txBody>
-          <a:bodyPr anchorCtr="0" anchor="t" bIns="91425" lIns="91425" spcFirstLastPara="1" rIns="91425" wrap="square" tIns="91425">
+          <a:bodyPr anchorCtr="0" anchor="t" bIns="126000" lIns="91425" spcFirstLastPara="1" rIns="91425" wrap="square" tIns="91425">
             <a:noAutofit/>
           </a:bodyPr>
           <a:lstStyle/>
@@ -25294,63 +26225,11 @@
               <a:spcAft>
                 <a:spcPts val="0"/>
               </a:spcAft>
-              <a:buClr>
-                <a:schemeClr val="dk1"/>
-              </a:buClr>
-              <a:buSzPts val="1100"/>
-              <a:buFont typeface="Arial"/>
-              <a:buNone/>
-            </a:pPr>
-            <a:r>
-              <a:rPr lang="en-GB"/>
-              <a:t>L(G</a:t>
-            </a:r>
-            <a:r>
-              <a:rPr baseline="-25000" lang="en-GB"/>
-              <a:t>1</a:t>
-            </a:r>
-            <a:r>
-              <a:rPr lang="en-GB"/>
-              <a:t>) ∩ L(G</a:t>
-            </a:r>
-            <a:r>
-              <a:rPr baseline="-25000" lang="en-GB"/>
-              <a:t>2</a:t>
-            </a:r>
-            <a:r>
-              <a:rPr lang="en-GB"/>
-              <a:t>) = ∅</a:t>
-            </a:r>
-            <a:endParaRPr/>
-          </a:p>
-          <a:p>
-            <a:pPr indent="0" lvl="0" marL="0" rtl="0" algn="l">
-              <a:spcBef>
-                <a:spcPts val="1600"/>
-              </a:spcBef>
-              <a:spcAft>
-                <a:spcPts val="0"/>
-              </a:spcAft>
-              <a:buNone/>
-            </a:pPr>
-            <a:r>
-              <a:rPr lang="en-GB"/>
-              <a:t>Considerando</a:t>
-            </a:r>
-            <a:br>
-              <a:rPr lang="en-GB"/>
-            </a:br>
-            <a:r>
-              <a:rPr lang="en-GB"/>
-              <a:t>L(G</a:t>
-            </a:r>
-            <a:r>
-              <a:rPr baseline="-25000" lang="en-GB"/>
-              <a:t>1</a:t>
-            </a:r>
-            <a:r>
-              <a:rPr lang="en-GB"/>
-              <a:t>) = L</a:t>
+              <a:buNone/>
+            </a:pPr>
+            <a:r>
+              <a:rPr lang="en-GB"/>
+              <a:t>Dada a L</a:t>
             </a:r>
             <a:r>
               <a:rPr baseline="-25000" lang="en-GB"/>
@@ -25358,86 +26237,90 @@
             </a:r>
             <a:r>
               <a:rPr lang="en-GB"/>
-              <a:t> </a:t>
+              <a:t> como linguagem da lista A, L</a:t>
+            </a:r>
+            <a:r>
+              <a:rPr baseline="-25000" lang="en-GB"/>
+              <a:t>A</a:t>
+            </a:r>
+            <a:r>
+              <a:rPr baseline="30000" lang="en-GB"/>
+              <a:t>C</a:t>
+            </a:r>
+            <a:r>
+              <a:rPr lang="en-GB"/>
+              <a:t> é uma linguagem livre de contexto.</a:t>
+            </a:r>
+            <a:endParaRPr/>
+          </a:p>
+          <a:p>
+            <a:pPr indent="0" lvl="0" marL="0" rtl="0" algn="l">
+              <a:spcBef>
+                <a:spcPts val="1600"/>
+              </a:spcBef>
+              <a:spcAft>
+                <a:spcPts val="0"/>
+              </a:spcAft>
+              <a:buNone/>
+            </a:pPr>
+            <a:r>
+              <a:rPr lang="en-GB"/>
+              <a:t>Diferente de L</a:t>
+            </a:r>
+            <a:r>
+              <a:rPr baseline="-25000" lang="en-GB"/>
+              <a:t>A</a:t>
+            </a:r>
+            <a:r>
+              <a:rPr lang="en-GB"/>
+              <a:t>, não é fácil criar uma gramática para L</a:t>
+            </a:r>
+            <a:r>
+              <a:rPr baseline="-25000" lang="en-GB"/>
+              <a:t>A</a:t>
+            </a:r>
+            <a:r>
+              <a:rPr baseline="30000" lang="en-GB"/>
+              <a:t>C</a:t>
+            </a:r>
+            <a:r>
+              <a:rPr lang="en-GB"/>
+              <a:t>,</a:t>
             </a:r>
             <a:br>
               <a:rPr lang="en-GB"/>
             </a:br>
             <a:r>
               <a:rPr lang="en-GB"/>
-              <a:t>L(G</a:t>
+              <a:t>mas podemos fazer o design de um autômato com pilha para L</a:t>
             </a:r>
             <a:r>
               <a:rPr baseline="-25000" lang="en-GB"/>
-              <a:t>2</a:t>
-            </a:r>
-            <a:r>
-              <a:rPr lang="en-GB"/>
-              <a:t>) = L</a:t>
-            </a:r>
-            <a:r>
-              <a:rPr baseline="-25000" lang="en-GB"/>
-              <a:t>B</a:t>
-            </a:r>
-            <a:endParaRPr/>
-          </a:p>
-          <a:p>
-            <a:pPr indent="0" lvl="0" marL="0" rtl="0" algn="l">
+              <a:t>A</a:t>
+            </a:r>
+            <a:r>
+              <a:rPr baseline="30000" lang="en-GB"/>
+              <a:t>C</a:t>
+            </a:r>
+            <a:r>
+              <a:rPr lang="en-GB"/>
+              <a:t>.</a:t>
+            </a:r>
+            <a:endParaRPr/>
+          </a:p>
+          <a:p>
+            <a:pPr indent="0" lvl="0" marL="0" rtl="0" algn="ctr">
               <a:spcBef>
                 <a:spcPts val="1600"/>
               </a:spcBef>
               <a:spcAft>
-                <a:spcPts val="0"/>
-              </a:spcAft>
-              <a:buNone/>
-            </a:pPr>
-            <a:r>
-              <a:rPr lang="en-GB"/>
-              <a:t>Então L(G</a:t>
-            </a:r>
-            <a:r>
-              <a:rPr baseline="-25000" lang="en-GB"/>
-              <a:t>1</a:t>
-            </a:r>
-            <a:r>
-              <a:rPr lang="en-GB"/>
-              <a:t>) ∩ L(G</a:t>
-            </a:r>
-            <a:r>
-              <a:rPr baseline="-25000" lang="en-GB"/>
-              <a:t>2</a:t>
-            </a:r>
-            <a:r>
-              <a:rPr lang="en-GB"/>
-              <a:t>) é o conjunto de soluções do problema PCP</a:t>
-            </a:r>
-            <a:br>
-              <a:rPr lang="en-GB"/>
-            </a:br>
-            <a:r>
-              <a:rPr lang="en-GB"/>
-              <a:t>A interseção é vazia apenas se não existe solução para o problema PCP</a:t>
-            </a:r>
-            <a:endParaRPr/>
-          </a:p>
-          <a:p>
-            <a:pPr indent="0" lvl="0" marL="0" rtl="0" algn="l">
-              <a:spcBef>
                 <a:spcPts val="1600"/>
-              </a:spcBef>
-              <a:spcAft>
-                <a:spcPts val="1600"/>
-              </a:spcAft>
-              <a:buClr>
-                <a:schemeClr val="dk1"/>
-              </a:buClr>
-              <a:buSzPts val="1100"/>
-              <a:buFont typeface="Arial"/>
-              <a:buNone/>
-            </a:pPr>
-            <a:r>
-              <a:rPr lang="en-GB"/>
-              <a:t>Mostrar que o complemento de um problema é indecidível equivale a mostrar que o problema é indecidível.</a:t>
+              </a:spcAft>
+              <a:buNone/>
+            </a:pPr>
+            <a:r>
+              <a:rPr lang="en-GB"/>
+              <a:t>… </a:t>
             </a:r>
             <a:endParaRPr/>
           </a:p>
@@ -25472,41 +26355,1377 @@
         <p:nvSpPr>
           <p:cNvPr id="389" name="Google Shape;389;p66"/>
           <p:cNvSpPr txBox="1"/>
-          <p:nvPr/>
+          <p:nvPr>
+            <p:ph type="title"/>
+          </p:nvPr>
         </p:nvSpPr>
         <p:spPr>
           <a:xfrm>
-            <a:off x="0" y="50"/>
-            <a:ext cx="9144000" cy="5143500"/>
+            <a:off x="311700" y="445025"/>
+            <a:ext cx="8520600" cy="572700"/>
           </a:xfrm>
           <a:prstGeom prst="rect">
             <a:avLst/>
           </a:prstGeom>
-          <a:noFill/>
-          <a:ln>
-            <a:noFill/>
-          </a:ln>
         </p:spPr>
         <p:txBody>
-          <a:bodyPr anchorCtr="0" anchor="ctr" bIns="91425" lIns="91425" spcFirstLastPara="1" rIns="91425" wrap="square" tIns="91425">
+          <a:bodyPr anchorCtr="0" anchor="t" bIns="91425" lIns="91425" spcFirstLastPara="1" rIns="91425" wrap="square" tIns="91425">
             <a:noAutofit/>
           </a:bodyPr>
           <a:lstStyle/>
           <a:p>
-            <a:pPr indent="0" lvl="0" marL="0" rtl="0" algn="ctr">
-              <a:spcBef>
-                <a:spcPts val="0"/>
-              </a:spcBef>
-              <a:spcAft>
-                <a:spcPts val="0"/>
-              </a:spcAft>
-              <a:buNone/>
-            </a:pPr>
-            <a:r>
-              <a:rPr lang="en-GB" sz="6000"/>
-              <a:t>FIM</a:t>
-            </a:r>
-            <a:endParaRPr sz="6000"/>
+            <a:pPr indent="0" lvl="0" marL="0" rtl="0" algn="l">
+              <a:spcBef>
+                <a:spcPts val="0"/>
+              </a:spcBef>
+              <a:spcAft>
+                <a:spcPts val="0"/>
+              </a:spcAft>
+              <a:buNone/>
+            </a:pPr>
+            <a:r>
+              <a:rPr lang="en-GB"/>
+              <a:t>Indecidibilidade</a:t>
+            </a:r>
+            <a:endParaRPr/>
+          </a:p>
+        </p:txBody>
+      </p:sp>
+      <p:sp>
+        <p:nvSpPr>
+          <p:cNvPr id="390" name="Google Shape;390;p66"/>
+          <p:cNvSpPr txBox="1"/>
+          <p:nvPr>
+            <p:ph idx="1" type="body"/>
+          </p:nvPr>
+        </p:nvSpPr>
+        <p:spPr>
+          <a:xfrm>
+            <a:off x="311700" y="1152000"/>
+            <a:ext cx="8520600" cy="3991500"/>
+          </a:xfrm>
+          <a:prstGeom prst="rect">
+            <a:avLst/>
+          </a:prstGeom>
+        </p:spPr>
+        <p:txBody>
+          <a:bodyPr anchorCtr="0" anchor="t" bIns="126000" lIns="91425" spcFirstLastPara="1" rIns="91425" wrap="square" tIns="91425">
+            <a:noAutofit/>
+          </a:bodyPr>
+          <a:lstStyle/>
+          <a:p>
+            <a:pPr indent="0" lvl="0" marL="0" rtl="0" algn="l">
+              <a:spcBef>
+                <a:spcPts val="0"/>
+              </a:spcBef>
+              <a:spcAft>
+                <a:spcPts val="0"/>
+              </a:spcAft>
+              <a:buNone/>
+            </a:pPr>
+            <a:r>
+              <a:rPr lang="en-GB"/>
+              <a:t>Nós podemos usar L</a:t>
+            </a:r>
+            <a:r>
+              <a:rPr baseline="-25000" lang="en-GB"/>
+              <a:t>A</a:t>
+            </a:r>
+            <a:r>
+              <a:rPr lang="en-GB"/>
+              <a:t>, L</a:t>
+            </a:r>
+            <a:r>
+              <a:rPr baseline="-25000" lang="en-GB"/>
+              <a:t>B</a:t>
+            </a:r>
+            <a:r>
+              <a:rPr lang="en-GB"/>
+              <a:t> e seus complementos de diversas maneiras para demonstrar indecidibilidade</a:t>
+            </a:r>
+            <a:endParaRPr/>
+          </a:p>
+          <a:p>
+            <a:pPr indent="0" lvl="0" marL="0" rtl="0" algn="l">
+              <a:spcBef>
+                <a:spcPts val="1600"/>
+              </a:spcBef>
+              <a:spcAft>
+                <a:spcPts val="0"/>
+              </a:spcAft>
+              <a:buNone/>
+            </a:pPr>
+            <a:r>
+              <a:rPr lang="en-GB"/>
+              <a:t>Muitos problema indecidíveis envolvem reduzir o problema ao de PCP</a:t>
+            </a:r>
+            <a:endParaRPr/>
+          </a:p>
+          <a:p>
+            <a:pPr indent="0" lvl="0" marL="0" rtl="0" algn="l">
+              <a:spcBef>
+                <a:spcPts val="1600"/>
+              </a:spcBef>
+              <a:spcAft>
+                <a:spcPts val="0"/>
+              </a:spcAft>
+              <a:buNone/>
+            </a:pPr>
+            <a:r>
+              <a:rPr lang="en-GB"/>
+              <a:t>L(G</a:t>
+            </a:r>
+            <a:r>
+              <a:rPr baseline="-25000" lang="en-GB"/>
+              <a:t>1</a:t>
+            </a:r>
+            <a:r>
+              <a:rPr lang="en-GB"/>
+              <a:t>) ∩ L(G</a:t>
+            </a:r>
+            <a:r>
+              <a:rPr baseline="-25000" lang="en-GB"/>
+              <a:t>2</a:t>
+            </a:r>
+            <a:r>
+              <a:rPr lang="en-GB"/>
+              <a:t>) = ∅ ?</a:t>
+            </a:r>
+            <a:endParaRPr/>
+          </a:p>
+          <a:p>
+            <a:pPr indent="0" lvl="0" marL="0" rtl="0" algn="l">
+              <a:spcBef>
+                <a:spcPts val="1600"/>
+              </a:spcBef>
+              <a:spcAft>
+                <a:spcPts val="0"/>
+              </a:spcAft>
+              <a:buNone/>
+            </a:pPr>
+            <a:r>
+              <a:rPr lang="en-GB"/>
+              <a:t>L(G</a:t>
+            </a:r>
+            <a:r>
+              <a:rPr baseline="-25000" lang="en-GB"/>
+              <a:t>1</a:t>
+            </a:r>
+            <a:r>
+              <a:rPr lang="en-GB"/>
+              <a:t>) = L(G</a:t>
+            </a:r>
+            <a:r>
+              <a:rPr baseline="-25000" lang="en-GB"/>
+              <a:t>2</a:t>
+            </a:r>
+            <a:r>
+              <a:rPr lang="en-GB"/>
+              <a:t>) ?</a:t>
+            </a:r>
+            <a:endParaRPr/>
+          </a:p>
+          <a:p>
+            <a:pPr indent="0" lvl="0" marL="0" rtl="0" algn="l">
+              <a:spcBef>
+                <a:spcPts val="1600"/>
+              </a:spcBef>
+              <a:spcAft>
+                <a:spcPts val="0"/>
+              </a:spcAft>
+              <a:buNone/>
+            </a:pPr>
+            <a:r>
+              <a:rPr lang="en-GB"/>
+              <a:t>L(G</a:t>
+            </a:r>
+            <a:r>
+              <a:rPr baseline="-25000" lang="en-GB"/>
+              <a:t>1</a:t>
+            </a:r>
+            <a:r>
+              <a:rPr lang="en-GB"/>
+              <a:t>) ⊆ L(G</a:t>
+            </a:r>
+            <a:r>
+              <a:rPr baseline="-25000" lang="en-GB"/>
+              <a:t>2</a:t>
+            </a:r>
+            <a:r>
+              <a:rPr lang="en-GB"/>
+              <a:t>) ?</a:t>
+            </a:r>
+            <a:endParaRPr/>
+          </a:p>
+          <a:p>
+            <a:pPr indent="0" lvl="0" marL="0" rtl="0" algn="l">
+              <a:spcBef>
+                <a:spcPts val="1600"/>
+              </a:spcBef>
+              <a:spcAft>
+                <a:spcPts val="1600"/>
+              </a:spcAft>
+              <a:buNone/>
+            </a:pPr>
+            <a:r>
+              <a:rPr lang="en-GB"/>
+              <a:t>L(G</a:t>
+            </a:r>
+            <a:r>
+              <a:rPr baseline="-25000" lang="en-GB"/>
+              <a:t>1</a:t>
+            </a:r>
+            <a:r>
+              <a:rPr lang="en-GB"/>
+              <a:t>) =  ∑* ?</a:t>
+            </a:r>
+            <a:endParaRPr/>
+          </a:p>
+        </p:txBody>
+      </p:sp>
+    </p:spTree>
+  </p:cSld>
+  <p:clrMapOvr>
+    <a:masterClrMapping/>
+  </p:clrMapOvr>
+</p:sld>
+</file>
+
+<file path=ppt/slides/slide55.xml><?xml version="1.0" encoding="utf-8"?>
+<p:sld xmlns:a="http://schemas.openxmlformats.org/drawingml/2006/main" xmlns:r="http://schemas.openxmlformats.org/officeDocument/2006/relationships" xmlns:mc="http://schemas.openxmlformats.org/markup-compatibility/2006" xmlns:mv="urn:schemas-microsoft-com:mac:vml" xmlns:p="http://schemas.openxmlformats.org/presentationml/2006/main" xmlns:c="http://schemas.openxmlformats.org/drawingml/2006/chart" xmlns:dgm="http://schemas.openxmlformats.org/drawingml/2006/diagram" xmlns:o="urn:schemas-microsoft-com:office:office" xmlns:v="urn:schemas-microsoft-com:vml" xmlns:pvml="urn:schemas-microsoft-com:office:powerpoint" xmlns:com="http://schemas.openxmlformats.org/drawingml/2006/compatibility" xmlns:p14="http://schemas.microsoft.com/office/powerpoint/2010/main" xmlns:p15="http://schemas.microsoft.com/office/powerpoint/2012/main">
+  <p:cSld>
+    <p:spTree>
+      <p:nvGrpSpPr>
+        <p:cNvPr id="394" name="Shape 394"/>
+        <p:cNvGrpSpPr/>
+        <p:nvPr/>
+      </p:nvGrpSpPr>
+      <p:grpSpPr>
+        <a:xfrm>
+          <a:off x="0" y="0"/>
+          <a:ext cx="0" cy="0"/>
+          <a:chOff x="0" y="0"/>
+          <a:chExt cx="0" cy="0"/>
+        </a:xfrm>
+      </p:grpSpPr>
+      <p:sp>
+        <p:nvSpPr>
+          <p:cNvPr id="395" name="Google Shape;395;p67"/>
+          <p:cNvSpPr txBox="1"/>
+          <p:nvPr>
+            <p:ph type="title"/>
+          </p:nvPr>
+        </p:nvSpPr>
+        <p:spPr>
+          <a:xfrm>
+            <a:off x="311700" y="445025"/>
+            <a:ext cx="8520600" cy="572700"/>
+          </a:xfrm>
+          <a:prstGeom prst="rect">
+            <a:avLst/>
+          </a:prstGeom>
+        </p:spPr>
+        <p:txBody>
+          <a:bodyPr anchorCtr="0" anchor="t" bIns="91425" lIns="91425" spcFirstLastPara="1" rIns="91425" wrap="square" tIns="91425">
+            <a:noAutofit/>
+          </a:bodyPr>
+          <a:lstStyle/>
+          <a:p>
+            <a:pPr indent="0" lvl="0" marL="0" rtl="0" algn="l">
+              <a:spcBef>
+                <a:spcPts val="0"/>
+              </a:spcBef>
+              <a:spcAft>
+                <a:spcPts val="0"/>
+              </a:spcAft>
+              <a:buNone/>
+            </a:pPr>
+            <a:r>
+              <a:rPr lang="en-GB"/>
+              <a:t>V</a:t>
+            </a:r>
+            <a:r>
+              <a:rPr lang="en-GB"/>
+              <a:t>acuidade da interseção de LLCs</a:t>
+            </a:r>
+            <a:endParaRPr/>
+          </a:p>
+        </p:txBody>
+      </p:sp>
+      <p:sp>
+        <p:nvSpPr>
+          <p:cNvPr id="396" name="Google Shape;396;p67"/>
+          <p:cNvSpPr txBox="1"/>
+          <p:nvPr>
+            <p:ph idx="1" type="body"/>
+          </p:nvPr>
+        </p:nvSpPr>
+        <p:spPr>
+          <a:xfrm>
+            <a:off x="311700" y="1152475"/>
+            <a:ext cx="8520600" cy="3416400"/>
+          </a:xfrm>
+          <a:prstGeom prst="rect">
+            <a:avLst/>
+          </a:prstGeom>
+        </p:spPr>
+        <p:txBody>
+          <a:bodyPr anchorCtr="0" anchor="t" bIns="91425" lIns="91425" spcFirstLastPara="1" rIns="91425" wrap="square" tIns="91425">
+            <a:noAutofit/>
+          </a:bodyPr>
+          <a:lstStyle/>
+          <a:p>
+            <a:pPr indent="0" lvl="0" marL="0" rtl="0" algn="l">
+              <a:spcBef>
+                <a:spcPts val="0"/>
+              </a:spcBef>
+              <a:spcAft>
+                <a:spcPts val="0"/>
+              </a:spcAft>
+              <a:buClr>
+                <a:schemeClr val="dk1"/>
+              </a:buClr>
+              <a:buSzPts val="1100"/>
+              <a:buFont typeface="Arial"/>
+              <a:buNone/>
+            </a:pPr>
+            <a:r>
+              <a:rPr lang="en-GB"/>
+              <a:t>L(G</a:t>
+            </a:r>
+            <a:r>
+              <a:rPr baseline="-25000" lang="en-GB"/>
+              <a:t>1</a:t>
+            </a:r>
+            <a:r>
+              <a:rPr lang="en-GB"/>
+              <a:t>) ∩ L(G</a:t>
+            </a:r>
+            <a:r>
+              <a:rPr baseline="-25000" lang="en-GB"/>
+              <a:t>2</a:t>
+            </a:r>
+            <a:r>
+              <a:rPr lang="en-GB"/>
+              <a:t>) = ∅ ?</a:t>
+            </a:r>
+            <a:endParaRPr/>
+          </a:p>
+          <a:p>
+            <a:pPr indent="0" lvl="0" marL="0" rtl="0" algn="l">
+              <a:spcBef>
+                <a:spcPts val="1600"/>
+              </a:spcBef>
+              <a:spcAft>
+                <a:spcPts val="0"/>
+              </a:spcAft>
+              <a:buNone/>
+            </a:pPr>
+            <a:r>
+              <a:rPr lang="en-GB"/>
+              <a:t>Considerando</a:t>
+            </a:r>
+            <a:br>
+              <a:rPr lang="en-GB"/>
+            </a:br>
+            <a:r>
+              <a:rPr lang="en-GB"/>
+              <a:t>L(G</a:t>
+            </a:r>
+            <a:r>
+              <a:rPr baseline="-25000" lang="en-GB"/>
+              <a:t>1</a:t>
+            </a:r>
+            <a:r>
+              <a:rPr lang="en-GB"/>
+              <a:t>) = L</a:t>
+            </a:r>
+            <a:r>
+              <a:rPr baseline="-25000" lang="en-GB"/>
+              <a:t>A</a:t>
+            </a:r>
+            <a:r>
+              <a:rPr lang="en-GB"/>
+              <a:t> </a:t>
+            </a:r>
+            <a:br>
+              <a:rPr lang="en-GB"/>
+            </a:br>
+            <a:r>
+              <a:rPr lang="en-GB"/>
+              <a:t>L(G</a:t>
+            </a:r>
+            <a:r>
+              <a:rPr baseline="-25000" lang="en-GB"/>
+              <a:t>2</a:t>
+            </a:r>
+            <a:r>
+              <a:rPr lang="en-GB"/>
+              <a:t>) = L</a:t>
+            </a:r>
+            <a:r>
+              <a:rPr baseline="-25000" lang="en-GB"/>
+              <a:t>B</a:t>
+            </a:r>
+            <a:endParaRPr/>
+          </a:p>
+          <a:p>
+            <a:pPr indent="0" lvl="0" marL="0" rtl="0" algn="l">
+              <a:spcBef>
+                <a:spcPts val="1600"/>
+              </a:spcBef>
+              <a:spcAft>
+                <a:spcPts val="0"/>
+              </a:spcAft>
+              <a:buNone/>
+            </a:pPr>
+            <a:r>
+              <a:rPr lang="en-GB"/>
+              <a:t>Então L(G</a:t>
+            </a:r>
+            <a:r>
+              <a:rPr baseline="-25000" lang="en-GB"/>
+              <a:t>1</a:t>
+            </a:r>
+            <a:r>
+              <a:rPr lang="en-GB"/>
+              <a:t>) ∩ L(G</a:t>
+            </a:r>
+            <a:r>
+              <a:rPr baseline="-25000" lang="en-GB"/>
+              <a:t>2</a:t>
+            </a:r>
+            <a:r>
+              <a:rPr lang="en-GB"/>
+              <a:t>) é o conjunto de soluções do problema PCP</a:t>
+            </a:r>
+            <a:br>
+              <a:rPr lang="en-GB"/>
+            </a:br>
+            <a:r>
+              <a:rPr lang="en-GB"/>
+              <a:t>A interseção é vazia apenas se não existe solução para o problema PCP</a:t>
+            </a:r>
+            <a:endParaRPr/>
+          </a:p>
+          <a:p>
+            <a:pPr indent="0" lvl="0" marL="0" rtl="0" algn="l">
+              <a:spcBef>
+                <a:spcPts val="1600"/>
+              </a:spcBef>
+              <a:spcAft>
+                <a:spcPts val="1600"/>
+              </a:spcAft>
+              <a:buClr>
+                <a:schemeClr val="dk1"/>
+              </a:buClr>
+              <a:buSzPts val="1100"/>
+              <a:buFont typeface="Arial"/>
+              <a:buNone/>
+            </a:pPr>
+            <a:r>
+              <a:rPr lang="en-GB"/>
+              <a:t>Mostrar que o complemento de um problema é indecidível equivale a mostrar que o problema é indecidível.</a:t>
+            </a:r>
+            <a:endParaRPr/>
+          </a:p>
+        </p:txBody>
+      </p:sp>
+    </p:spTree>
+  </p:cSld>
+  <p:clrMapOvr>
+    <a:masterClrMapping/>
+  </p:clrMapOvr>
+</p:sld>
+</file>
+
+<file path=ppt/slides/slide56.xml><?xml version="1.0" encoding="utf-8"?>
+<p:sld xmlns:a="http://schemas.openxmlformats.org/drawingml/2006/main" xmlns:r="http://schemas.openxmlformats.org/officeDocument/2006/relationships" xmlns:mc="http://schemas.openxmlformats.org/markup-compatibility/2006" xmlns:mv="urn:schemas-microsoft-com:mac:vml" xmlns:p="http://schemas.openxmlformats.org/presentationml/2006/main" xmlns:c="http://schemas.openxmlformats.org/drawingml/2006/chart" xmlns:dgm="http://schemas.openxmlformats.org/drawingml/2006/diagram" xmlns:o="urn:schemas-microsoft-com:office:office" xmlns:v="urn:schemas-microsoft-com:vml" xmlns:pvml="urn:schemas-microsoft-com:office:powerpoint" xmlns:com="http://schemas.openxmlformats.org/drawingml/2006/compatibility" xmlns:p14="http://schemas.microsoft.com/office/powerpoint/2010/main" xmlns:p15="http://schemas.microsoft.com/office/powerpoint/2012/main">
+  <p:cSld>
+    <p:spTree>
+      <p:nvGrpSpPr>
+        <p:cNvPr id="400" name="Shape 400"/>
+        <p:cNvGrpSpPr/>
+        <p:nvPr/>
+      </p:nvGrpSpPr>
+      <p:grpSpPr>
+        <a:xfrm>
+          <a:off x="0" y="0"/>
+          <a:ext cx="0" cy="0"/>
+          <a:chOff x="0" y="0"/>
+          <a:chExt cx="0" cy="0"/>
+        </a:xfrm>
+      </p:grpSpPr>
+      <p:sp>
+        <p:nvSpPr>
+          <p:cNvPr id="401" name="Google Shape;401;p68"/>
+          <p:cNvSpPr txBox="1"/>
+          <p:nvPr>
+            <p:ph type="title"/>
+          </p:nvPr>
+        </p:nvSpPr>
+        <p:spPr>
+          <a:xfrm>
+            <a:off x="311700" y="445025"/>
+            <a:ext cx="8520600" cy="572700"/>
+          </a:xfrm>
+          <a:prstGeom prst="rect">
+            <a:avLst/>
+          </a:prstGeom>
+        </p:spPr>
+        <p:txBody>
+          <a:bodyPr anchorCtr="0" anchor="t" bIns="91425" lIns="91425" spcFirstLastPara="1" rIns="91425" wrap="square" tIns="91425">
+            <a:noAutofit/>
+          </a:bodyPr>
+          <a:lstStyle/>
+          <a:p>
+            <a:pPr indent="0" lvl="0" marL="0" rtl="0" algn="l">
+              <a:spcBef>
+                <a:spcPts val="0"/>
+              </a:spcBef>
+              <a:spcAft>
+                <a:spcPts val="0"/>
+              </a:spcAft>
+              <a:buNone/>
+            </a:pPr>
+            <a:r>
+              <a:rPr lang="en-GB"/>
+              <a:t>Vacuidade da interseção de LLCs</a:t>
+            </a:r>
+            <a:endParaRPr/>
+          </a:p>
+        </p:txBody>
+      </p:sp>
+      <p:sp>
+        <p:nvSpPr>
+          <p:cNvPr id="402" name="Google Shape;402;p68"/>
+          <p:cNvSpPr txBox="1"/>
+          <p:nvPr>
+            <p:ph idx="1" type="body"/>
+          </p:nvPr>
+        </p:nvSpPr>
+        <p:spPr>
+          <a:xfrm>
+            <a:off x="311700" y="1152475"/>
+            <a:ext cx="8520600" cy="3416400"/>
+          </a:xfrm>
+          <a:prstGeom prst="rect">
+            <a:avLst/>
+          </a:prstGeom>
+        </p:spPr>
+        <p:txBody>
+          <a:bodyPr anchorCtr="0" anchor="t" bIns="91425" lIns="91425" spcFirstLastPara="1" rIns="91425" wrap="square" tIns="91425">
+            <a:noAutofit/>
+          </a:bodyPr>
+          <a:lstStyle/>
+          <a:p>
+            <a:pPr indent="0" lvl="0" marL="0" rtl="0" algn="l">
+              <a:spcBef>
+                <a:spcPts val="0"/>
+              </a:spcBef>
+              <a:spcAft>
+                <a:spcPts val="0"/>
+              </a:spcAft>
+              <a:buClr>
+                <a:schemeClr val="dk1"/>
+              </a:buClr>
+              <a:buSzPts val="1100"/>
+              <a:buFont typeface="Arial"/>
+              <a:buNone/>
+            </a:pPr>
+            <a:r>
+              <a:rPr lang="en-GB"/>
+              <a:t>L</a:t>
+            </a:r>
+            <a:r>
+              <a:rPr baseline="-25000" lang="en-GB"/>
+              <a:t>A</a:t>
+            </a:r>
+            <a:r>
+              <a:rPr lang="en-GB"/>
+              <a:t> ∩ L</a:t>
+            </a:r>
+            <a:r>
+              <a:rPr baseline="-25000" lang="en-GB"/>
+              <a:t>B</a:t>
+            </a:r>
+            <a:r>
+              <a:rPr lang="en-GB"/>
+              <a:t> = (L</a:t>
+            </a:r>
+            <a:r>
+              <a:rPr baseline="-25000" lang="en-GB"/>
+              <a:t>A</a:t>
+            </a:r>
+            <a:r>
+              <a:rPr baseline="30000" lang="en-GB"/>
+              <a:t>C</a:t>
+            </a:r>
+            <a:r>
+              <a:rPr lang="en-GB"/>
+              <a:t> ∪ </a:t>
+            </a:r>
+            <a:r>
+              <a:rPr baseline="-25000" lang="en-GB"/>
+              <a:t> </a:t>
+            </a:r>
+            <a:r>
+              <a:rPr lang="en-GB"/>
+              <a:t>L</a:t>
+            </a:r>
+            <a:r>
+              <a:rPr baseline="-25000" lang="en-GB"/>
+              <a:t>B</a:t>
+            </a:r>
+            <a:r>
+              <a:rPr baseline="30000" lang="en-GB"/>
+              <a:t>C</a:t>
+            </a:r>
+            <a:r>
+              <a:rPr lang="en-GB"/>
+              <a:t>)</a:t>
+            </a:r>
+            <a:r>
+              <a:rPr baseline="30000" lang="en-GB"/>
+              <a:t>C</a:t>
+            </a:r>
+            <a:endParaRPr/>
+          </a:p>
+          <a:p>
+            <a:pPr indent="0" lvl="0" marL="0" rtl="0" algn="l">
+              <a:spcBef>
+                <a:spcPts val="1600"/>
+              </a:spcBef>
+              <a:spcAft>
+                <a:spcPts val="0"/>
+              </a:spcAft>
+              <a:buClr>
+                <a:schemeClr val="dk1"/>
+              </a:buClr>
+              <a:buSzPts val="1100"/>
+              <a:buFont typeface="Arial"/>
+              <a:buNone/>
+            </a:pPr>
+            <a:r>
+              <a:t/>
+            </a:r>
+            <a:endParaRPr/>
+          </a:p>
+          <a:p>
+            <a:pPr indent="0" lvl="0" marL="0" rtl="0" algn="l">
+              <a:spcBef>
+                <a:spcPts val="1600"/>
+              </a:spcBef>
+              <a:spcAft>
+                <a:spcPts val="1600"/>
+              </a:spcAft>
+              <a:buClr>
+                <a:schemeClr val="dk1"/>
+              </a:buClr>
+              <a:buSzPts val="1100"/>
+              <a:buFont typeface="Arial"/>
+              <a:buNone/>
+            </a:pPr>
+            <a:r>
+              <a:t/>
+            </a:r>
+            <a:endParaRPr/>
+          </a:p>
+        </p:txBody>
+      </p:sp>
+    </p:spTree>
+  </p:cSld>
+  <p:clrMapOvr>
+    <a:masterClrMapping/>
+  </p:clrMapOvr>
+</p:sld>
+</file>
+
+<file path=ppt/slides/slide57.xml><?xml version="1.0" encoding="utf-8"?>
+<p:sld xmlns:a="http://schemas.openxmlformats.org/drawingml/2006/main" xmlns:r="http://schemas.openxmlformats.org/officeDocument/2006/relationships" xmlns:mc="http://schemas.openxmlformats.org/markup-compatibility/2006" xmlns:mv="urn:schemas-microsoft-com:mac:vml" xmlns:p="http://schemas.openxmlformats.org/presentationml/2006/main" xmlns:c="http://schemas.openxmlformats.org/drawingml/2006/chart" xmlns:dgm="http://schemas.openxmlformats.org/drawingml/2006/diagram" xmlns:o="urn:schemas-microsoft-com:office:office" xmlns:v="urn:schemas-microsoft-com:vml" xmlns:pvml="urn:schemas-microsoft-com:office:powerpoint" xmlns:com="http://schemas.openxmlformats.org/drawingml/2006/compatibility" xmlns:p14="http://schemas.microsoft.com/office/powerpoint/2010/main" xmlns:p15="http://schemas.microsoft.com/office/powerpoint/2012/main">
+  <p:cSld>
+    <p:spTree>
+      <p:nvGrpSpPr>
+        <p:cNvPr id="406" name="Shape 406"/>
+        <p:cNvGrpSpPr/>
+        <p:nvPr/>
+      </p:nvGrpSpPr>
+      <p:grpSpPr>
+        <a:xfrm>
+          <a:off x="0" y="0"/>
+          <a:ext cx="0" cy="0"/>
+          <a:chOff x="0" y="0"/>
+          <a:chExt cx="0" cy="0"/>
+        </a:xfrm>
+      </p:grpSpPr>
+      <p:sp>
+        <p:nvSpPr>
+          <p:cNvPr id="407" name="Google Shape;407;p69"/>
+          <p:cNvSpPr txBox="1"/>
+          <p:nvPr>
+            <p:ph type="title"/>
+          </p:nvPr>
+        </p:nvSpPr>
+        <p:spPr>
+          <a:xfrm>
+            <a:off x="311700" y="445025"/>
+            <a:ext cx="8520600" cy="572700"/>
+          </a:xfrm>
+          <a:prstGeom prst="rect">
+            <a:avLst/>
+          </a:prstGeom>
+        </p:spPr>
+        <p:txBody>
+          <a:bodyPr anchorCtr="0" anchor="t" bIns="91425" lIns="91425" spcFirstLastPara="1" rIns="91425" wrap="square" tIns="91425">
+            <a:noAutofit/>
+          </a:bodyPr>
+          <a:lstStyle/>
+          <a:p>
+            <a:pPr indent="0" lvl="0" marL="0" rtl="0" algn="l">
+              <a:spcBef>
+                <a:spcPts val="0"/>
+              </a:spcBef>
+              <a:spcAft>
+                <a:spcPts val="0"/>
+              </a:spcAft>
+              <a:buNone/>
+            </a:pPr>
+            <a:r>
+              <a:rPr lang="en-GB"/>
+              <a:t>Vacuidade da interseção de LLCs</a:t>
+            </a:r>
+            <a:endParaRPr/>
+          </a:p>
+        </p:txBody>
+      </p:sp>
+      <p:sp>
+        <p:nvSpPr>
+          <p:cNvPr id="408" name="Google Shape;408;p69"/>
+          <p:cNvSpPr txBox="1"/>
+          <p:nvPr>
+            <p:ph idx="1" type="body"/>
+          </p:nvPr>
+        </p:nvSpPr>
+        <p:spPr>
+          <a:xfrm>
+            <a:off x="311700" y="1152475"/>
+            <a:ext cx="8520600" cy="3416400"/>
+          </a:xfrm>
+          <a:prstGeom prst="rect">
+            <a:avLst/>
+          </a:prstGeom>
+        </p:spPr>
+        <p:txBody>
+          <a:bodyPr anchorCtr="0" anchor="t" bIns="91425" lIns="91425" spcFirstLastPara="1" rIns="91425" wrap="square" tIns="91425">
+            <a:noAutofit/>
+          </a:bodyPr>
+          <a:lstStyle/>
+          <a:p>
+            <a:pPr indent="0" lvl="0" marL="0" rtl="0" algn="l">
+              <a:spcBef>
+                <a:spcPts val="0"/>
+              </a:spcBef>
+              <a:spcAft>
+                <a:spcPts val="0"/>
+              </a:spcAft>
+              <a:buClr>
+                <a:schemeClr val="dk1"/>
+              </a:buClr>
+              <a:buSzPts val="1100"/>
+              <a:buFont typeface="Arial"/>
+              <a:buNone/>
+            </a:pPr>
+            <a:r>
+              <a:rPr lang="en-GB"/>
+              <a:t>L</a:t>
+            </a:r>
+            <a:r>
+              <a:rPr baseline="-25000" lang="en-GB"/>
+              <a:t>A</a:t>
+            </a:r>
+            <a:r>
+              <a:rPr lang="en-GB"/>
+              <a:t> </a:t>
+            </a:r>
+            <a:r>
+              <a:rPr lang="en-GB"/>
+              <a:t>∩ L</a:t>
+            </a:r>
+            <a:r>
+              <a:rPr baseline="-25000" lang="en-GB"/>
+              <a:t>B</a:t>
+            </a:r>
+            <a:r>
+              <a:rPr lang="en-GB"/>
+              <a:t> = (L</a:t>
+            </a:r>
+            <a:r>
+              <a:rPr baseline="-25000" lang="en-GB"/>
+              <a:t>A</a:t>
+            </a:r>
+            <a:r>
+              <a:rPr baseline="30000" lang="en-GB"/>
+              <a:t>C</a:t>
+            </a:r>
+            <a:r>
+              <a:rPr lang="en-GB"/>
+              <a:t> ∪ </a:t>
+            </a:r>
+            <a:r>
+              <a:rPr baseline="-25000" lang="en-GB"/>
+              <a:t> </a:t>
+            </a:r>
+            <a:r>
+              <a:rPr lang="en-GB"/>
+              <a:t>L</a:t>
+            </a:r>
+            <a:r>
+              <a:rPr baseline="-25000" lang="en-GB"/>
+              <a:t>B</a:t>
+            </a:r>
+            <a:r>
+              <a:rPr baseline="30000" lang="en-GB"/>
+              <a:t>C</a:t>
+            </a:r>
+            <a:r>
+              <a:rPr lang="en-GB"/>
+              <a:t>)</a:t>
+            </a:r>
+            <a:r>
+              <a:rPr baseline="30000" lang="en-GB"/>
+              <a:t>C</a:t>
+            </a:r>
+            <a:endParaRPr/>
+          </a:p>
+          <a:p>
+            <a:pPr indent="0" lvl="0" marL="0" rtl="0" algn="l">
+              <a:spcBef>
+                <a:spcPts val="1600"/>
+              </a:spcBef>
+              <a:spcAft>
+                <a:spcPts val="1600"/>
+              </a:spcAft>
+              <a:buClr>
+                <a:schemeClr val="dk1"/>
+              </a:buClr>
+              <a:buSzPts val="1100"/>
+              <a:buFont typeface="Arial"/>
+              <a:buNone/>
+            </a:pPr>
+            <a:r>
+              <a:rPr lang="en-GB"/>
+              <a:t>L</a:t>
+            </a:r>
+            <a:r>
+              <a:rPr baseline="-25000" lang="en-GB"/>
+              <a:t>A</a:t>
+            </a:r>
+            <a:r>
+              <a:rPr lang="en-GB"/>
+              <a:t> = ∅ ?</a:t>
+            </a:r>
+            <a:endParaRPr/>
+          </a:p>
+        </p:txBody>
+      </p:sp>
+    </p:spTree>
+  </p:cSld>
+  <p:clrMapOvr>
+    <a:masterClrMapping/>
+  </p:clrMapOvr>
+</p:sld>
+</file>
+
+<file path=ppt/slides/slide58.xml><?xml version="1.0" encoding="utf-8"?>
+<p:sld xmlns:a="http://schemas.openxmlformats.org/drawingml/2006/main" xmlns:r="http://schemas.openxmlformats.org/officeDocument/2006/relationships" xmlns:mc="http://schemas.openxmlformats.org/markup-compatibility/2006" xmlns:mv="urn:schemas-microsoft-com:mac:vml" xmlns:p="http://schemas.openxmlformats.org/presentationml/2006/main" xmlns:c="http://schemas.openxmlformats.org/drawingml/2006/chart" xmlns:dgm="http://schemas.openxmlformats.org/drawingml/2006/diagram" xmlns:o="urn:schemas-microsoft-com:office:office" xmlns:v="urn:schemas-microsoft-com:vml" xmlns:pvml="urn:schemas-microsoft-com:office:powerpoint" xmlns:com="http://schemas.openxmlformats.org/drawingml/2006/compatibility" xmlns:p14="http://schemas.microsoft.com/office/powerpoint/2010/main" xmlns:p15="http://schemas.microsoft.com/office/powerpoint/2012/main">
+  <p:cSld>
+    <p:spTree>
+      <p:nvGrpSpPr>
+        <p:cNvPr id="412" name="Shape 412"/>
+        <p:cNvGrpSpPr/>
+        <p:nvPr/>
+      </p:nvGrpSpPr>
+      <p:grpSpPr>
+        <a:xfrm>
+          <a:off x="0" y="0"/>
+          <a:ext cx="0" cy="0"/>
+          <a:chOff x="0" y="0"/>
+          <a:chExt cx="0" cy="0"/>
+        </a:xfrm>
+      </p:grpSpPr>
+      <p:sp>
+        <p:nvSpPr>
+          <p:cNvPr id="413" name="Google Shape;413;p70"/>
+          <p:cNvSpPr txBox="1"/>
+          <p:nvPr>
+            <p:ph type="title"/>
+          </p:nvPr>
+        </p:nvSpPr>
+        <p:spPr>
+          <a:xfrm>
+            <a:off x="311700" y="445025"/>
+            <a:ext cx="8520600" cy="572700"/>
+          </a:xfrm>
+          <a:prstGeom prst="rect">
+            <a:avLst/>
+          </a:prstGeom>
+        </p:spPr>
+        <p:txBody>
+          <a:bodyPr anchorCtr="0" anchor="t" bIns="91425" lIns="91425" spcFirstLastPara="1" rIns="91425" wrap="square" tIns="91425">
+            <a:noAutofit/>
+          </a:bodyPr>
+          <a:lstStyle/>
+          <a:p>
+            <a:pPr indent="0" lvl="0" marL="0" rtl="0" algn="l">
+              <a:spcBef>
+                <a:spcPts val="0"/>
+              </a:spcBef>
+              <a:spcAft>
+                <a:spcPts val="0"/>
+              </a:spcAft>
+              <a:buNone/>
+            </a:pPr>
+            <a:r>
+              <a:rPr lang="en-GB"/>
+              <a:t>Vacuidade da interseção de LLCs</a:t>
+            </a:r>
+            <a:endParaRPr/>
+          </a:p>
+        </p:txBody>
+      </p:sp>
+      <p:sp>
+        <p:nvSpPr>
+          <p:cNvPr id="414" name="Google Shape;414;p70"/>
+          <p:cNvSpPr txBox="1"/>
+          <p:nvPr>
+            <p:ph idx="1" type="body"/>
+          </p:nvPr>
+        </p:nvSpPr>
+        <p:spPr>
+          <a:xfrm>
+            <a:off x="311700" y="1152475"/>
+            <a:ext cx="8520600" cy="3416400"/>
+          </a:xfrm>
+          <a:prstGeom prst="rect">
+            <a:avLst/>
+          </a:prstGeom>
+        </p:spPr>
+        <p:txBody>
+          <a:bodyPr anchorCtr="0" anchor="t" bIns="91425" lIns="91425" spcFirstLastPara="1" rIns="91425" wrap="square" tIns="91425">
+            <a:noAutofit/>
+          </a:bodyPr>
+          <a:lstStyle/>
+          <a:p>
+            <a:pPr indent="0" lvl="0" marL="0" rtl="0" algn="l">
+              <a:spcBef>
+                <a:spcPts val="0"/>
+              </a:spcBef>
+              <a:spcAft>
+                <a:spcPts val="0"/>
+              </a:spcAft>
+              <a:buClr>
+                <a:schemeClr val="dk1"/>
+              </a:buClr>
+              <a:buSzPts val="1100"/>
+              <a:buFont typeface="Arial"/>
+              <a:buNone/>
+            </a:pPr>
+            <a:r>
+              <a:rPr lang="en-GB"/>
+              <a:t>L</a:t>
+            </a:r>
+            <a:r>
+              <a:rPr baseline="-25000" lang="en-GB"/>
+              <a:t>A</a:t>
+            </a:r>
+            <a:r>
+              <a:rPr lang="en-GB"/>
+              <a:t> ∩ L</a:t>
+            </a:r>
+            <a:r>
+              <a:rPr baseline="-25000" lang="en-GB"/>
+              <a:t>B</a:t>
+            </a:r>
+            <a:r>
+              <a:rPr lang="en-GB"/>
+              <a:t> = (L</a:t>
+            </a:r>
+            <a:r>
+              <a:rPr baseline="-25000" lang="en-GB"/>
+              <a:t>A</a:t>
+            </a:r>
+            <a:r>
+              <a:rPr baseline="30000" lang="en-GB"/>
+              <a:t>C</a:t>
+            </a:r>
+            <a:r>
+              <a:rPr lang="en-GB"/>
+              <a:t> ∪ </a:t>
+            </a:r>
+            <a:r>
+              <a:rPr baseline="-25000" lang="en-GB"/>
+              <a:t> </a:t>
+            </a:r>
+            <a:r>
+              <a:rPr lang="en-GB"/>
+              <a:t>L</a:t>
+            </a:r>
+            <a:r>
+              <a:rPr baseline="-25000" lang="en-GB"/>
+              <a:t>B</a:t>
+            </a:r>
+            <a:r>
+              <a:rPr baseline="30000" lang="en-GB"/>
+              <a:t>C</a:t>
+            </a:r>
+            <a:r>
+              <a:rPr lang="en-GB"/>
+              <a:t>)</a:t>
+            </a:r>
+            <a:r>
+              <a:rPr baseline="30000" lang="en-GB"/>
+              <a:t>C</a:t>
+            </a:r>
+            <a:endParaRPr/>
+          </a:p>
+          <a:p>
+            <a:pPr indent="0" lvl="0" marL="0" rtl="0" algn="l">
+              <a:spcBef>
+                <a:spcPts val="1600"/>
+              </a:spcBef>
+              <a:spcAft>
+                <a:spcPts val="0"/>
+              </a:spcAft>
+              <a:buClr>
+                <a:schemeClr val="dk1"/>
+              </a:buClr>
+              <a:buSzPts val="1100"/>
+              <a:buFont typeface="Arial"/>
+              <a:buNone/>
+            </a:pPr>
+            <a:r>
+              <a:rPr lang="en-GB"/>
+              <a:t>L</a:t>
+            </a:r>
+            <a:r>
+              <a:rPr baseline="-25000" lang="en-GB"/>
+              <a:t>A</a:t>
+            </a:r>
+            <a:r>
+              <a:rPr lang="en-GB"/>
+              <a:t> = ∅ ?</a:t>
+            </a:r>
+            <a:endParaRPr/>
+          </a:p>
+          <a:p>
+            <a:pPr indent="0" lvl="0" marL="0" rtl="0" algn="l">
+              <a:spcBef>
+                <a:spcPts val="1600"/>
+              </a:spcBef>
+              <a:spcAft>
+                <a:spcPts val="1600"/>
+              </a:spcAft>
+              <a:buClr>
+                <a:schemeClr val="dk1"/>
+              </a:buClr>
+              <a:buSzPts val="1100"/>
+              <a:buFont typeface="Arial"/>
+              <a:buNone/>
+            </a:pPr>
+            <a:r>
+              <a:rPr lang="en-GB"/>
+              <a:t>L</a:t>
+            </a:r>
+            <a:r>
+              <a:rPr baseline="-25000" lang="en-GB"/>
+              <a:t>A</a:t>
+            </a:r>
+            <a:r>
+              <a:rPr lang="en-GB"/>
+              <a:t> ∪ L</a:t>
+            </a:r>
+            <a:r>
+              <a:rPr baseline="-25000" lang="en-GB"/>
+              <a:t>B</a:t>
+            </a:r>
+            <a:r>
+              <a:rPr lang="en-GB"/>
+              <a:t> é LLC</a:t>
+            </a:r>
+            <a:endParaRPr/>
+          </a:p>
+        </p:txBody>
+      </p:sp>
+    </p:spTree>
+  </p:cSld>
+  <p:clrMapOvr>
+    <a:masterClrMapping/>
+  </p:clrMapOvr>
+</p:sld>
+</file>
+
+<file path=ppt/slides/slide59.xml><?xml version="1.0" encoding="utf-8"?>
+<p:sld xmlns:a="http://schemas.openxmlformats.org/drawingml/2006/main" xmlns:r="http://schemas.openxmlformats.org/officeDocument/2006/relationships" xmlns:mc="http://schemas.openxmlformats.org/markup-compatibility/2006" xmlns:mv="urn:schemas-microsoft-com:mac:vml" xmlns:p="http://schemas.openxmlformats.org/presentationml/2006/main" xmlns:c="http://schemas.openxmlformats.org/drawingml/2006/chart" xmlns:dgm="http://schemas.openxmlformats.org/drawingml/2006/diagram" xmlns:o="urn:schemas-microsoft-com:office:office" xmlns:v="urn:schemas-microsoft-com:vml" xmlns:pvml="urn:schemas-microsoft-com:office:powerpoint" xmlns:com="http://schemas.openxmlformats.org/drawingml/2006/compatibility" xmlns:p14="http://schemas.microsoft.com/office/powerpoint/2010/main" xmlns:p15="http://schemas.microsoft.com/office/powerpoint/2012/main">
+  <p:cSld>
+    <p:spTree>
+      <p:nvGrpSpPr>
+        <p:cNvPr id="418" name="Shape 418"/>
+        <p:cNvGrpSpPr/>
+        <p:nvPr/>
+      </p:nvGrpSpPr>
+      <p:grpSpPr>
+        <a:xfrm>
+          <a:off x="0" y="0"/>
+          <a:ext cx="0" cy="0"/>
+          <a:chOff x="0" y="0"/>
+          <a:chExt cx="0" cy="0"/>
+        </a:xfrm>
+      </p:grpSpPr>
+      <p:sp>
+        <p:nvSpPr>
+          <p:cNvPr id="419" name="Google Shape;419;p71"/>
+          <p:cNvSpPr txBox="1"/>
+          <p:nvPr>
+            <p:ph type="title"/>
+          </p:nvPr>
+        </p:nvSpPr>
+        <p:spPr>
+          <a:xfrm>
+            <a:off x="311700" y="445025"/>
+            <a:ext cx="8520600" cy="572700"/>
+          </a:xfrm>
+          <a:prstGeom prst="rect">
+            <a:avLst/>
+          </a:prstGeom>
+        </p:spPr>
+        <p:txBody>
+          <a:bodyPr anchorCtr="0" anchor="t" bIns="91425" lIns="91425" spcFirstLastPara="1" rIns="91425" wrap="square" tIns="91425">
+            <a:noAutofit/>
+          </a:bodyPr>
+          <a:lstStyle/>
+          <a:p>
+            <a:pPr indent="0" lvl="0" marL="0" rtl="0" algn="l">
+              <a:spcBef>
+                <a:spcPts val="0"/>
+              </a:spcBef>
+              <a:spcAft>
+                <a:spcPts val="0"/>
+              </a:spcAft>
+              <a:buNone/>
+            </a:pPr>
+            <a:r>
+              <a:rPr lang="en-GB"/>
+              <a:t>Vacuidade da interseção de LLCs</a:t>
+            </a:r>
+            <a:endParaRPr/>
+          </a:p>
+        </p:txBody>
+      </p:sp>
+      <p:sp>
+        <p:nvSpPr>
+          <p:cNvPr id="420" name="Google Shape;420;p71"/>
+          <p:cNvSpPr txBox="1"/>
+          <p:nvPr>
+            <p:ph idx="1" type="body"/>
+          </p:nvPr>
+        </p:nvSpPr>
+        <p:spPr>
+          <a:xfrm>
+            <a:off x="311700" y="1152475"/>
+            <a:ext cx="8520600" cy="3416400"/>
+          </a:xfrm>
+          <a:prstGeom prst="rect">
+            <a:avLst/>
+          </a:prstGeom>
+        </p:spPr>
+        <p:txBody>
+          <a:bodyPr anchorCtr="0" anchor="t" bIns="91425" lIns="91425" spcFirstLastPara="1" rIns="91425" wrap="square" tIns="91425">
+            <a:noAutofit/>
+          </a:bodyPr>
+          <a:lstStyle/>
+          <a:p>
+            <a:pPr indent="0" lvl="0" marL="0" rtl="0" algn="l">
+              <a:spcBef>
+                <a:spcPts val="0"/>
+              </a:spcBef>
+              <a:spcAft>
+                <a:spcPts val="0"/>
+              </a:spcAft>
+              <a:buClr>
+                <a:schemeClr val="dk1"/>
+              </a:buClr>
+              <a:buSzPts val="1100"/>
+              <a:buFont typeface="Arial"/>
+              <a:buNone/>
+            </a:pPr>
+            <a:r>
+              <a:rPr lang="en-GB"/>
+              <a:t>L</a:t>
+            </a:r>
+            <a:r>
+              <a:rPr baseline="-25000" lang="en-GB"/>
+              <a:t>A</a:t>
+            </a:r>
+            <a:r>
+              <a:rPr lang="en-GB"/>
+              <a:t> ∩ L</a:t>
+            </a:r>
+            <a:r>
+              <a:rPr baseline="-25000" lang="en-GB"/>
+              <a:t>B</a:t>
+            </a:r>
+            <a:r>
+              <a:rPr lang="en-GB"/>
+              <a:t> = (L</a:t>
+            </a:r>
+            <a:r>
+              <a:rPr baseline="-25000" lang="en-GB"/>
+              <a:t>A</a:t>
+            </a:r>
+            <a:r>
+              <a:rPr baseline="30000" lang="en-GB"/>
+              <a:t>C</a:t>
+            </a:r>
+            <a:r>
+              <a:rPr lang="en-GB"/>
+              <a:t> ∪ </a:t>
+            </a:r>
+            <a:r>
+              <a:rPr baseline="-25000" lang="en-GB"/>
+              <a:t> </a:t>
+            </a:r>
+            <a:r>
+              <a:rPr lang="en-GB"/>
+              <a:t>L</a:t>
+            </a:r>
+            <a:r>
+              <a:rPr baseline="-25000" lang="en-GB"/>
+              <a:t>B</a:t>
+            </a:r>
+            <a:r>
+              <a:rPr baseline="30000" lang="en-GB"/>
+              <a:t>C</a:t>
+            </a:r>
+            <a:r>
+              <a:rPr lang="en-GB"/>
+              <a:t>)</a:t>
+            </a:r>
+            <a:r>
+              <a:rPr baseline="30000" lang="en-GB"/>
+              <a:t>C</a:t>
+            </a:r>
+            <a:endParaRPr/>
+          </a:p>
+          <a:p>
+            <a:pPr indent="0" lvl="0" marL="0" rtl="0" algn="l">
+              <a:spcBef>
+                <a:spcPts val="1600"/>
+              </a:spcBef>
+              <a:spcAft>
+                <a:spcPts val="0"/>
+              </a:spcAft>
+              <a:buClr>
+                <a:schemeClr val="dk1"/>
+              </a:buClr>
+              <a:buSzPts val="1100"/>
+              <a:buFont typeface="Arial"/>
+              <a:buNone/>
+            </a:pPr>
+            <a:r>
+              <a:rPr lang="en-GB"/>
+              <a:t>L</a:t>
+            </a:r>
+            <a:r>
+              <a:rPr baseline="-25000" lang="en-GB"/>
+              <a:t>A</a:t>
+            </a:r>
+            <a:r>
+              <a:rPr lang="en-GB"/>
+              <a:t> = ∅ ?</a:t>
+            </a:r>
+            <a:endParaRPr/>
+          </a:p>
+          <a:p>
+            <a:pPr indent="0" lvl="0" marL="0" rtl="0" algn="l">
+              <a:spcBef>
+                <a:spcPts val="1600"/>
+              </a:spcBef>
+              <a:spcAft>
+                <a:spcPts val="0"/>
+              </a:spcAft>
+              <a:buClr>
+                <a:schemeClr val="dk1"/>
+              </a:buClr>
+              <a:buSzPts val="1100"/>
+              <a:buFont typeface="Arial"/>
+              <a:buNone/>
+            </a:pPr>
+            <a:r>
+              <a:rPr lang="en-GB"/>
+              <a:t>L</a:t>
+            </a:r>
+            <a:r>
+              <a:rPr baseline="-25000" lang="en-GB"/>
+              <a:t>A</a:t>
+            </a:r>
+            <a:r>
+              <a:rPr lang="en-GB"/>
+              <a:t> ∪ L</a:t>
+            </a:r>
+            <a:r>
+              <a:rPr baseline="-25000" lang="en-GB"/>
+              <a:t>B</a:t>
+            </a:r>
+            <a:r>
+              <a:rPr lang="en-GB"/>
+              <a:t> é LLC</a:t>
+            </a:r>
+            <a:endParaRPr/>
+          </a:p>
+          <a:p>
+            <a:pPr indent="0" lvl="0" marL="0" rtl="0" algn="l">
+              <a:spcBef>
+                <a:spcPts val="1600"/>
+              </a:spcBef>
+              <a:spcAft>
+                <a:spcPts val="1600"/>
+              </a:spcAft>
+              <a:buClr>
+                <a:schemeClr val="dk1"/>
+              </a:buClr>
+              <a:buSzPts val="1100"/>
+              <a:buFont typeface="Arial"/>
+              <a:buNone/>
+            </a:pPr>
+            <a:r>
+              <a:rPr lang="en-GB"/>
+              <a:t>Como existe prova que L</a:t>
+            </a:r>
+            <a:r>
+              <a:rPr baseline="-25000" lang="en-GB"/>
+              <a:t>A</a:t>
+            </a:r>
+            <a:r>
+              <a:rPr baseline="30000" lang="en-GB"/>
+              <a:t>C</a:t>
+            </a:r>
+            <a:r>
+              <a:rPr lang="en-GB"/>
+              <a:t> e L</a:t>
+            </a:r>
+            <a:r>
+              <a:rPr baseline="-25000" lang="en-GB"/>
+              <a:t>B</a:t>
+            </a:r>
+            <a:r>
+              <a:rPr baseline="30000" lang="en-GB"/>
+              <a:t>C</a:t>
+            </a:r>
+            <a:r>
+              <a:rPr lang="en-GB"/>
+              <a:t> são LLC</a:t>
+            </a:r>
+            <a:endParaRPr/>
           </a:p>
         </p:txBody>
       </p:sp>
@@ -25691,6 +27910,1597 @@
               <a:t> e uma gramática livre de contexto G, w pertence a linguagem gerada por aquela gramática? </a:t>
             </a:r>
             <a:endParaRPr/>
+          </a:p>
+        </p:txBody>
+      </p:sp>
+    </p:spTree>
+  </p:cSld>
+  <p:clrMapOvr>
+    <a:masterClrMapping/>
+  </p:clrMapOvr>
+</p:sld>
+</file>
+
+<file path=ppt/slides/slide60.xml><?xml version="1.0" encoding="utf-8"?>
+<p:sld xmlns:a="http://schemas.openxmlformats.org/drawingml/2006/main" xmlns:r="http://schemas.openxmlformats.org/officeDocument/2006/relationships" xmlns:mc="http://schemas.openxmlformats.org/markup-compatibility/2006" xmlns:mv="urn:schemas-microsoft-com:mac:vml" xmlns:p="http://schemas.openxmlformats.org/presentationml/2006/main" xmlns:c="http://schemas.openxmlformats.org/drawingml/2006/chart" xmlns:dgm="http://schemas.openxmlformats.org/drawingml/2006/diagram" xmlns:o="urn:schemas-microsoft-com:office:office" xmlns:v="urn:schemas-microsoft-com:vml" xmlns:pvml="urn:schemas-microsoft-com:office:powerpoint" xmlns:com="http://schemas.openxmlformats.org/drawingml/2006/compatibility" xmlns:p14="http://schemas.microsoft.com/office/powerpoint/2010/main" xmlns:p15="http://schemas.microsoft.com/office/powerpoint/2012/main">
+  <p:cSld>
+    <p:spTree>
+      <p:nvGrpSpPr>
+        <p:cNvPr id="424" name="Shape 424"/>
+        <p:cNvGrpSpPr/>
+        <p:nvPr/>
+      </p:nvGrpSpPr>
+      <p:grpSpPr>
+        <a:xfrm>
+          <a:off x="0" y="0"/>
+          <a:ext cx="0" cy="0"/>
+          <a:chOff x="0" y="0"/>
+          <a:chExt cx="0" cy="0"/>
+        </a:xfrm>
+      </p:grpSpPr>
+      <p:sp>
+        <p:nvSpPr>
+          <p:cNvPr id="425" name="Google Shape;425;p72"/>
+          <p:cNvSpPr txBox="1"/>
+          <p:nvPr>
+            <p:ph type="title"/>
+          </p:nvPr>
+        </p:nvSpPr>
+        <p:spPr>
+          <a:xfrm>
+            <a:off x="311700" y="445025"/>
+            <a:ext cx="8520600" cy="572700"/>
+          </a:xfrm>
+          <a:prstGeom prst="rect">
+            <a:avLst/>
+          </a:prstGeom>
+        </p:spPr>
+        <p:txBody>
+          <a:bodyPr anchorCtr="0" anchor="t" bIns="91425" lIns="91425" spcFirstLastPara="1" rIns="91425" wrap="square" tIns="91425">
+            <a:noAutofit/>
+          </a:bodyPr>
+          <a:lstStyle/>
+          <a:p>
+            <a:pPr indent="0" lvl="0" marL="0" rtl="0" algn="l">
+              <a:spcBef>
+                <a:spcPts val="0"/>
+              </a:spcBef>
+              <a:spcAft>
+                <a:spcPts val="0"/>
+              </a:spcAft>
+              <a:buNone/>
+            </a:pPr>
+            <a:r>
+              <a:rPr lang="en-GB"/>
+              <a:t>Vacuidade da interseção de LLCs</a:t>
+            </a:r>
+            <a:endParaRPr/>
+          </a:p>
+        </p:txBody>
+      </p:sp>
+      <p:sp>
+        <p:nvSpPr>
+          <p:cNvPr id="426" name="Google Shape;426;p72"/>
+          <p:cNvSpPr txBox="1"/>
+          <p:nvPr>
+            <p:ph idx="1" type="body"/>
+          </p:nvPr>
+        </p:nvSpPr>
+        <p:spPr>
+          <a:xfrm>
+            <a:off x="311700" y="1152475"/>
+            <a:ext cx="8520600" cy="3416400"/>
+          </a:xfrm>
+          <a:prstGeom prst="rect">
+            <a:avLst/>
+          </a:prstGeom>
+        </p:spPr>
+        <p:txBody>
+          <a:bodyPr anchorCtr="0" anchor="t" bIns="91425" lIns="91425" spcFirstLastPara="1" rIns="91425" wrap="square" tIns="91425">
+            <a:noAutofit/>
+          </a:bodyPr>
+          <a:lstStyle/>
+          <a:p>
+            <a:pPr indent="0" lvl="0" marL="0" rtl="0" algn="l">
+              <a:spcBef>
+                <a:spcPts val="0"/>
+              </a:spcBef>
+              <a:spcAft>
+                <a:spcPts val="0"/>
+              </a:spcAft>
+              <a:buClr>
+                <a:schemeClr val="dk1"/>
+              </a:buClr>
+              <a:buSzPts val="1100"/>
+              <a:buFont typeface="Arial"/>
+              <a:buNone/>
+            </a:pPr>
+            <a:r>
+              <a:rPr lang="en-GB"/>
+              <a:t>L</a:t>
+            </a:r>
+            <a:r>
+              <a:rPr baseline="-25000" lang="en-GB"/>
+              <a:t>A</a:t>
+            </a:r>
+            <a:r>
+              <a:rPr lang="en-GB"/>
+              <a:t> ∩ L</a:t>
+            </a:r>
+            <a:r>
+              <a:rPr baseline="-25000" lang="en-GB"/>
+              <a:t>B</a:t>
+            </a:r>
+            <a:r>
+              <a:rPr lang="en-GB"/>
+              <a:t> = (L</a:t>
+            </a:r>
+            <a:r>
+              <a:rPr baseline="-25000" lang="en-GB"/>
+              <a:t>A</a:t>
+            </a:r>
+            <a:r>
+              <a:rPr baseline="30000" lang="en-GB"/>
+              <a:t>C</a:t>
+            </a:r>
+            <a:r>
+              <a:rPr lang="en-GB"/>
+              <a:t> ∪ </a:t>
+            </a:r>
+            <a:r>
+              <a:rPr baseline="-25000" lang="en-GB"/>
+              <a:t> </a:t>
+            </a:r>
+            <a:r>
+              <a:rPr lang="en-GB"/>
+              <a:t>L</a:t>
+            </a:r>
+            <a:r>
+              <a:rPr baseline="-25000" lang="en-GB"/>
+              <a:t>B</a:t>
+            </a:r>
+            <a:r>
+              <a:rPr baseline="30000" lang="en-GB"/>
+              <a:t>C</a:t>
+            </a:r>
+            <a:r>
+              <a:rPr lang="en-GB"/>
+              <a:t>)</a:t>
+            </a:r>
+            <a:r>
+              <a:rPr baseline="30000" lang="en-GB"/>
+              <a:t>C</a:t>
+            </a:r>
+            <a:endParaRPr/>
+          </a:p>
+          <a:p>
+            <a:pPr indent="0" lvl="0" marL="0" rtl="0" algn="l">
+              <a:spcBef>
+                <a:spcPts val="1600"/>
+              </a:spcBef>
+              <a:spcAft>
+                <a:spcPts val="0"/>
+              </a:spcAft>
+              <a:buClr>
+                <a:schemeClr val="dk1"/>
+              </a:buClr>
+              <a:buSzPts val="1100"/>
+              <a:buFont typeface="Arial"/>
+              <a:buNone/>
+            </a:pPr>
+            <a:r>
+              <a:rPr lang="en-GB"/>
+              <a:t>L</a:t>
+            </a:r>
+            <a:r>
+              <a:rPr baseline="-25000" lang="en-GB"/>
+              <a:t>A</a:t>
+            </a:r>
+            <a:r>
+              <a:rPr lang="en-GB"/>
+              <a:t> = ∅ ?</a:t>
+            </a:r>
+            <a:endParaRPr/>
+          </a:p>
+          <a:p>
+            <a:pPr indent="0" lvl="0" marL="0" rtl="0" algn="l">
+              <a:spcBef>
+                <a:spcPts val="1600"/>
+              </a:spcBef>
+              <a:spcAft>
+                <a:spcPts val="0"/>
+              </a:spcAft>
+              <a:buClr>
+                <a:schemeClr val="dk1"/>
+              </a:buClr>
+              <a:buSzPts val="1100"/>
+              <a:buFont typeface="Arial"/>
+              <a:buNone/>
+            </a:pPr>
+            <a:r>
+              <a:rPr lang="en-GB"/>
+              <a:t>L</a:t>
+            </a:r>
+            <a:r>
+              <a:rPr baseline="-25000" lang="en-GB"/>
+              <a:t>A</a:t>
+            </a:r>
+            <a:r>
+              <a:rPr lang="en-GB"/>
+              <a:t> ∪ L</a:t>
+            </a:r>
+            <a:r>
+              <a:rPr baseline="-25000" lang="en-GB"/>
+              <a:t>B</a:t>
+            </a:r>
+            <a:r>
+              <a:rPr lang="en-GB"/>
+              <a:t> é LLC</a:t>
+            </a:r>
+            <a:endParaRPr/>
+          </a:p>
+          <a:p>
+            <a:pPr indent="0" lvl="0" marL="0" rtl="0" algn="l">
+              <a:spcBef>
+                <a:spcPts val="1600"/>
+              </a:spcBef>
+              <a:spcAft>
+                <a:spcPts val="0"/>
+              </a:spcAft>
+              <a:buClr>
+                <a:schemeClr val="dk1"/>
+              </a:buClr>
+              <a:buSzPts val="1100"/>
+              <a:buFont typeface="Arial"/>
+              <a:buNone/>
+            </a:pPr>
+            <a:r>
+              <a:rPr lang="en-GB"/>
+              <a:t>Como existe prova que L</a:t>
+            </a:r>
+            <a:r>
+              <a:rPr baseline="-25000" lang="en-GB"/>
+              <a:t>A</a:t>
+            </a:r>
+            <a:r>
+              <a:rPr baseline="30000" lang="en-GB"/>
+              <a:t>C</a:t>
+            </a:r>
+            <a:r>
+              <a:rPr lang="en-GB"/>
+              <a:t> e L</a:t>
+            </a:r>
+            <a:r>
+              <a:rPr baseline="-25000" lang="en-GB"/>
+              <a:t>B</a:t>
+            </a:r>
+            <a:r>
+              <a:rPr baseline="30000" lang="en-GB"/>
+              <a:t>C</a:t>
+            </a:r>
+            <a:r>
+              <a:rPr lang="en-GB"/>
+              <a:t> são LLC</a:t>
+            </a:r>
+            <a:endParaRPr/>
+          </a:p>
+          <a:p>
+            <a:pPr indent="0" lvl="0" marL="0" rtl="0" algn="l">
+              <a:spcBef>
+                <a:spcPts val="1600"/>
+              </a:spcBef>
+              <a:spcAft>
+                <a:spcPts val="1600"/>
+              </a:spcAft>
+              <a:buClr>
+                <a:schemeClr val="dk1"/>
+              </a:buClr>
+              <a:buSzPts val="1100"/>
+              <a:buFont typeface="Arial"/>
+              <a:buNone/>
+            </a:pPr>
+            <a:r>
+              <a:rPr lang="en-GB"/>
+              <a:t>L</a:t>
+            </a:r>
+            <a:r>
+              <a:rPr baseline="-25000" lang="en-GB"/>
+              <a:t>A</a:t>
+            </a:r>
+            <a:r>
+              <a:rPr baseline="30000" lang="en-GB"/>
+              <a:t>C</a:t>
+            </a:r>
+            <a:r>
+              <a:rPr lang="en-GB"/>
+              <a:t> ∪ </a:t>
+            </a:r>
+            <a:r>
+              <a:rPr baseline="-25000" lang="en-GB"/>
+              <a:t> </a:t>
+            </a:r>
+            <a:r>
+              <a:rPr lang="en-GB"/>
+              <a:t>L</a:t>
+            </a:r>
+            <a:r>
+              <a:rPr baseline="-25000" lang="en-GB"/>
+              <a:t>B</a:t>
+            </a:r>
+            <a:r>
+              <a:rPr baseline="30000" lang="en-GB"/>
+              <a:t>C</a:t>
+            </a:r>
+            <a:r>
+              <a:rPr lang="en-GB"/>
+              <a:t> é LLC</a:t>
+            </a:r>
+            <a:endParaRPr/>
+          </a:p>
+        </p:txBody>
+      </p:sp>
+    </p:spTree>
+  </p:cSld>
+  <p:clrMapOvr>
+    <a:masterClrMapping/>
+  </p:clrMapOvr>
+</p:sld>
+</file>
+
+<file path=ppt/slides/slide61.xml><?xml version="1.0" encoding="utf-8"?>
+<p:sld xmlns:a="http://schemas.openxmlformats.org/drawingml/2006/main" xmlns:r="http://schemas.openxmlformats.org/officeDocument/2006/relationships" xmlns:mc="http://schemas.openxmlformats.org/markup-compatibility/2006" xmlns:mv="urn:schemas-microsoft-com:mac:vml" xmlns:p="http://schemas.openxmlformats.org/presentationml/2006/main" xmlns:c="http://schemas.openxmlformats.org/drawingml/2006/chart" xmlns:dgm="http://schemas.openxmlformats.org/drawingml/2006/diagram" xmlns:o="urn:schemas-microsoft-com:office:office" xmlns:v="urn:schemas-microsoft-com:vml" xmlns:pvml="urn:schemas-microsoft-com:office:powerpoint" xmlns:com="http://schemas.openxmlformats.org/drawingml/2006/compatibility" xmlns:p14="http://schemas.microsoft.com/office/powerpoint/2010/main" xmlns:p15="http://schemas.microsoft.com/office/powerpoint/2012/main">
+  <p:cSld>
+    <p:spTree>
+      <p:nvGrpSpPr>
+        <p:cNvPr id="430" name="Shape 430"/>
+        <p:cNvGrpSpPr/>
+        <p:nvPr/>
+      </p:nvGrpSpPr>
+      <p:grpSpPr>
+        <a:xfrm>
+          <a:off x="0" y="0"/>
+          <a:ext cx="0" cy="0"/>
+          <a:chOff x="0" y="0"/>
+          <a:chExt cx="0" cy="0"/>
+        </a:xfrm>
+      </p:grpSpPr>
+      <p:sp>
+        <p:nvSpPr>
+          <p:cNvPr id="431" name="Google Shape;431;p73"/>
+          <p:cNvSpPr txBox="1"/>
+          <p:nvPr>
+            <p:ph type="title"/>
+          </p:nvPr>
+        </p:nvSpPr>
+        <p:spPr>
+          <a:xfrm>
+            <a:off x="311700" y="445025"/>
+            <a:ext cx="8520600" cy="572700"/>
+          </a:xfrm>
+          <a:prstGeom prst="rect">
+            <a:avLst/>
+          </a:prstGeom>
+        </p:spPr>
+        <p:txBody>
+          <a:bodyPr anchorCtr="0" anchor="t" bIns="91425" lIns="91425" spcFirstLastPara="1" rIns="91425" wrap="square" tIns="91425">
+            <a:noAutofit/>
+          </a:bodyPr>
+          <a:lstStyle/>
+          <a:p>
+            <a:pPr indent="0" lvl="0" marL="0" rtl="0" algn="l">
+              <a:spcBef>
+                <a:spcPts val="0"/>
+              </a:spcBef>
+              <a:spcAft>
+                <a:spcPts val="0"/>
+              </a:spcAft>
+              <a:buNone/>
+            </a:pPr>
+            <a:r>
+              <a:rPr lang="en-GB"/>
+              <a:t>Vacuidade da interseção de LLCs</a:t>
+            </a:r>
+            <a:endParaRPr/>
+          </a:p>
+        </p:txBody>
+      </p:sp>
+      <p:sp>
+        <p:nvSpPr>
+          <p:cNvPr id="432" name="Google Shape;432;p73"/>
+          <p:cNvSpPr txBox="1"/>
+          <p:nvPr>
+            <p:ph idx="1" type="body"/>
+          </p:nvPr>
+        </p:nvSpPr>
+        <p:spPr>
+          <a:xfrm>
+            <a:off x="311700" y="1152475"/>
+            <a:ext cx="8520600" cy="3416400"/>
+          </a:xfrm>
+          <a:prstGeom prst="rect">
+            <a:avLst/>
+          </a:prstGeom>
+        </p:spPr>
+        <p:txBody>
+          <a:bodyPr anchorCtr="0" anchor="t" bIns="91425" lIns="91425" spcFirstLastPara="1" rIns="91425" wrap="square" tIns="91425">
+            <a:noAutofit/>
+          </a:bodyPr>
+          <a:lstStyle/>
+          <a:p>
+            <a:pPr indent="0" lvl="0" marL="0" rtl="0" algn="l">
+              <a:spcBef>
+                <a:spcPts val="0"/>
+              </a:spcBef>
+              <a:spcAft>
+                <a:spcPts val="0"/>
+              </a:spcAft>
+              <a:buClr>
+                <a:schemeClr val="dk1"/>
+              </a:buClr>
+              <a:buSzPts val="1100"/>
+              <a:buFont typeface="Arial"/>
+              <a:buNone/>
+            </a:pPr>
+            <a:r>
+              <a:rPr lang="en-GB"/>
+              <a:t>L</a:t>
+            </a:r>
+            <a:r>
+              <a:rPr baseline="-25000" lang="en-GB"/>
+              <a:t>A</a:t>
+            </a:r>
+            <a:r>
+              <a:rPr lang="en-GB"/>
+              <a:t> ∩ L</a:t>
+            </a:r>
+            <a:r>
+              <a:rPr baseline="-25000" lang="en-GB"/>
+              <a:t>B</a:t>
+            </a:r>
+            <a:r>
+              <a:rPr lang="en-GB"/>
+              <a:t> = (L</a:t>
+            </a:r>
+            <a:r>
+              <a:rPr baseline="-25000" lang="en-GB"/>
+              <a:t>A</a:t>
+            </a:r>
+            <a:r>
+              <a:rPr baseline="30000" lang="en-GB"/>
+              <a:t>C</a:t>
+            </a:r>
+            <a:r>
+              <a:rPr lang="en-GB"/>
+              <a:t> ∪ </a:t>
+            </a:r>
+            <a:r>
+              <a:rPr baseline="-25000" lang="en-GB"/>
+              <a:t> </a:t>
+            </a:r>
+            <a:r>
+              <a:rPr lang="en-GB"/>
+              <a:t>L</a:t>
+            </a:r>
+            <a:r>
+              <a:rPr baseline="-25000" lang="en-GB"/>
+              <a:t>B</a:t>
+            </a:r>
+            <a:r>
+              <a:rPr baseline="30000" lang="en-GB"/>
+              <a:t>C</a:t>
+            </a:r>
+            <a:r>
+              <a:rPr lang="en-GB"/>
+              <a:t>)</a:t>
+            </a:r>
+            <a:r>
+              <a:rPr baseline="30000" lang="en-GB"/>
+              <a:t>C</a:t>
+            </a:r>
+            <a:endParaRPr/>
+          </a:p>
+          <a:p>
+            <a:pPr indent="0" lvl="0" marL="0" rtl="0" algn="l">
+              <a:spcBef>
+                <a:spcPts val="1600"/>
+              </a:spcBef>
+              <a:spcAft>
+                <a:spcPts val="0"/>
+              </a:spcAft>
+              <a:buClr>
+                <a:schemeClr val="dk1"/>
+              </a:buClr>
+              <a:buSzPts val="1100"/>
+              <a:buFont typeface="Arial"/>
+              <a:buNone/>
+            </a:pPr>
+            <a:r>
+              <a:rPr lang="en-GB"/>
+              <a:t>L</a:t>
+            </a:r>
+            <a:r>
+              <a:rPr baseline="-25000" lang="en-GB"/>
+              <a:t>A</a:t>
+            </a:r>
+            <a:r>
+              <a:rPr lang="en-GB"/>
+              <a:t> = ∅ ?</a:t>
+            </a:r>
+            <a:endParaRPr/>
+          </a:p>
+          <a:p>
+            <a:pPr indent="0" lvl="0" marL="0" rtl="0" algn="l">
+              <a:spcBef>
+                <a:spcPts val="1600"/>
+              </a:spcBef>
+              <a:spcAft>
+                <a:spcPts val="0"/>
+              </a:spcAft>
+              <a:buClr>
+                <a:schemeClr val="dk1"/>
+              </a:buClr>
+              <a:buSzPts val="1100"/>
+              <a:buFont typeface="Arial"/>
+              <a:buNone/>
+            </a:pPr>
+            <a:r>
+              <a:rPr lang="en-GB"/>
+              <a:t>L</a:t>
+            </a:r>
+            <a:r>
+              <a:rPr baseline="-25000" lang="en-GB"/>
+              <a:t>A</a:t>
+            </a:r>
+            <a:r>
+              <a:rPr lang="en-GB"/>
+              <a:t> ∪ L</a:t>
+            </a:r>
+            <a:r>
+              <a:rPr baseline="-25000" lang="en-GB"/>
+              <a:t>B</a:t>
+            </a:r>
+            <a:r>
+              <a:rPr lang="en-GB"/>
+              <a:t> é LLC</a:t>
+            </a:r>
+            <a:endParaRPr/>
+          </a:p>
+          <a:p>
+            <a:pPr indent="0" lvl="0" marL="0" rtl="0" algn="l">
+              <a:spcBef>
+                <a:spcPts val="1600"/>
+              </a:spcBef>
+              <a:spcAft>
+                <a:spcPts val="0"/>
+              </a:spcAft>
+              <a:buClr>
+                <a:schemeClr val="dk1"/>
+              </a:buClr>
+              <a:buSzPts val="1100"/>
+              <a:buFont typeface="Arial"/>
+              <a:buNone/>
+            </a:pPr>
+            <a:r>
+              <a:rPr lang="en-GB"/>
+              <a:t>Como existe prova que L</a:t>
+            </a:r>
+            <a:r>
+              <a:rPr baseline="-25000" lang="en-GB"/>
+              <a:t>A</a:t>
+            </a:r>
+            <a:r>
+              <a:rPr baseline="30000" lang="en-GB"/>
+              <a:t>C</a:t>
+            </a:r>
+            <a:r>
+              <a:rPr lang="en-GB"/>
+              <a:t> e L</a:t>
+            </a:r>
+            <a:r>
+              <a:rPr baseline="-25000" lang="en-GB"/>
+              <a:t>B</a:t>
+            </a:r>
+            <a:r>
+              <a:rPr baseline="30000" lang="en-GB"/>
+              <a:t>C</a:t>
+            </a:r>
+            <a:r>
+              <a:rPr lang="en-GB"/>
+              <a:t> são LLC</a:t>
+            </a:r>
+            <a:endParaRPr/>
+          </a:p>
+          <a:p>
+            <a:pPr indent="0" lvl="0" marL="0" rtl="0" algn="l">
+              <a:spcBef>
+                <a:spcPts val="1600"/>
+              </a:spcBef>
+              <a:spcAft>
+                <a:spcPts val="0"/>
+              </a:spcAft>
+              <a:buClr>
+                <a:schemeClr val="dk1"/>
+              </a:buClr>
+              <a:buSzPts val="1100"/>
+              <a:buFont typeface="Arial"/>
+              <a:buNone/>
+            </a:pPr>
+            <a:r>
+              <a:rPr lang="en-GB"/>
+              <a:t>L</a:t>
+            </a:r>
+            <a:r>
+              <a:rPr baseline="-25000" lang="en-GB"/>
+              <a:t>A</a:t>
+            </a:r>
+            <a:r>
+              <a:rPr baseline="30000" lang="en-GB"/>
+              <a:t>C</a:t>
+            </a:r>
+            <a:r>
+              <a:rPr lang="en-GB"/>
+              <a:t> ∪ </a:t>
+            </a:r>
+            <a:r>
+              <a:rPr baseline="-25000" lang="en-GB"/>
+              <a:t> </a:t>
+            </a:r>
+            <a:r>
+              <a:rPr lang="en-GB"/>
+              <a:t>L</a:t>
+            </a:r>
+            <a:r>
+              <a:rPr baseline="-25000" lang="en-GB"/>
+              <a:t>B</a:t>
+            </a:r>
+            <a:r>
+              <a:rPr baseline="30000" lang="en-GB"/>
+              <a:t>C</a:t>
+            </a:r>
+            <a:r>
+              <a:rPr lang="en-GB"/>
+              <a:t> é LLC</a:t>
+            </a:r>
+            <a:endParaRPr/>
+          </a:p>
+          <a:p>
+            <a:pPr indent="0" lvl="0" marL="0" rtl="0" algn="l">
+              <a:spcBef>
+                <a:spcPts val="1600"/>
+              </a:spcBef>
+              <a:spcAft>
+                <a:spcPts val="1600"/>
+              </a:spcAft>
+              <a:buClr>
+                <a:schemeClr val="dk1"/>
+              </a:buClr>
+              <a:buSzPts val="1100"/>
+              <a:buFont typeface="Arial"/>
+              <a:buNone/>
+            </a:pPr>
+            <a:r>
+              <a:rPr lang="en-GB"/>
+              <a:t>L</a:t>
+            </a:r>
+            <a:r>
+              <a:rPr baseline="-25000" lang="en-GB"/>
+              <a:t>A</a:t>
+            </a:r>
+            <a:r>
+              <a:rPr baseline="30000" lang="en-GB"/>
+              <a:t>C</a:t>
+            </a:r>
+            <a:r>
+              <a:rPr lang="en-GB"/>
+              <a:t> ∪ </a:t>
+            </a:r>
+            <a:r>
+              <a:rPr baseline="-25000" lang="en-GB"/>
+              <a:t> </a:t>
+            </a:r>
+            <a:r>
+              <a:rPr lang="en-GB"/>
+              <a:t>L</a:t>
+            </a:r>
+            <a:r>
+              <a:rPr baseline="-25000" lang="en-GB"/>
+              <a:t>B</a:t>
+            </a:r>
+            <a:r>
+              <a:rPr baseline="30000" lang="en-GB"/>
+              <a:t>C</a:t>
+            </a:r>
+            <a:r>
+              <a:rPr lang="en-GB"/>
+              <a:t> = ∅ ?</a:t>
+            </a:r>
+            <a:endParaRPr/>
+          </a:p>
+        </p:txBody>
+      </p:sp>
+    </p:spTree>
+  </p:cSld>
+  <p:clrMapOvr>
+    <a:masterClrMapping/>
+  </p:clrMapOvr>
+</p:sld>
+</file>
+
+<file path=ppt/slides/slide62.xml><?xml version="1.0" encoding="utf-8"?>
+<p:sld xmlns:a="http://schemas.openxmlformats.org/drawingml/2006/main" xmlns:r="http://schemas.openxmlformats.org/officeDocument/2006/relationships" xmlns:mc="http://schemas.openxmlformats.org/markup-compatibility/2006" xmlns:mv="urn:schemas-microsoft-com:mac:vml" xmlns:p="http://schemas.openxmlformats.org/presentationml/2006/main" xmlns:c="http://schemas.openxmlformats.org/drawingml/2006/chart" xmlns:dgm="http://schemas.openxmlformats.org/drawingml/2006/diagram" xmlns:o="urn:schemas-microsoft-com:office:office" xmlns:v="urn:schemas-microsoft-com:vml" xmlns:pvml="urn:schemas-microsoft-com:office:powerpoint" xmlns:com="http://schemas.openxmlformats.org/drawingml/2006/compatibility" xmlns:p14="http://schemas.microsoft.com/office/powerpoint/2010/main" xmlns:p15="http://schemas.microsoft.com/office/powerpoint/2012/main">
+  <p:cSld>
+    <p:spTree>
+      <p:nvGrpSpPr>
+        <p:cNvPr id="436" name="Shape 436"/>
+        <p:cNvGrpSpPr/>
+        <p:nvPr/>
+      </p:nvGrpSpPr>
+      <p:grpSpPr>
+        <a:xfrm>
+          <a:off x="0" y="0"/>
+          <a:ext cx="0" cy="0"/>
+          <a:chOff x="0" y="0"/>
+          <a:chExt cx="0" cy="0"/>
+        </a:xfrm>
+      </p:grpSpPr>
+      <p:sp>
+        <p:nvSpPr>
+          <p:cNvPr id="437" name="Google Shape;437;p74"/>
+          <p:cNvSpPr txBox="1"/>
+          <p:nvPr>
+            <p:ph type="title"/>
+          </p:nvPr>
+        </p:nvSpPr>
+        <p:spPr>
+          <a:xfrm>
+            <a:off x="311700" y="445025"/>
+            <a:ext cx="8520600" cy="572700"/>
+          </a:xfrm>
+          <a:prstGeom prst="rect">
+            <a:avLst/>
+          </a:prstGeom>
+        </p:spPr>
+        <p:txBody>
+          <a:bodyPr anchorCtr="0" anchor="t" bIns="91425" lIns="91425" spcFirstLastPara="1" rIns="91425" wrap="square" tIns="91425">
+            <a:noAutofit/>
+          </a:bodyPr>
+          <a:lstStyle/>
+          <a:p>
+            <a:pPr indent="0" lvl="0" marL="0" rtl="0" algn="l">
+              <a:spcBef>
+                <a:spcPts val="0"/>
+              </a:spcBef>
+              <a:spcAft>
+                <a:spcPts val="0"/>
+              </a:spcAft>
+              <a:buNone/>
+            </a:pPr>
+            <a:r>
+              <a:rPr lang="en-GB"/>
+              <a:t>Vacuidade da interseção de LLCs</a:t>
+            </a:r>
+            <a:endParaRPr/>
+          </a:p>
+        </p:txBody>
+      </p:sp>
+      <p:sp>
+        <p:nvSpPr>
+          <p:cNvPr id="438" name="Google Shape;438;p74"/>
+          <p:cNvSpPr txBox="1"/>
+          <p:nvPr>
+            <p:ph idx="1" type="body"/>
+          </p:nvPr>
+        </p:nvSpPr>
+        <p:spPr>
+          <a:xfrm>
+            <a:off x="311700" y="1152475"/>
+            <a:ext cx="8520600" cy="3416400"/>
+          </a:xfrm>
+          <a:prstGeom prst="rect">
+            <a:avLst/>
+          </a:prstGeom>
+        </p:spPr>
+        <p:txBody>
+          <a:bodyPr anchorCtr="0" anchor="t" bIns="91425" lIns="91425" spcFirstLastPara="1" rIns="91425" wrap="square" tIns="91425">
+            <a:noAutofit/>
+          </a:bodyPr>
+          <a:lstStyle/>
+          <a:p>
+            <a:pPr indent="0" lvl="0" marL="0" rtl="0" algn="l">
+              <a:spcBef>
+                <a:spcPts val="0"/>
+              </a:spcBef>
+              <a:spcAft>
+                <a:spcPts val="0"/>
+              </a:spcAft>
+              <a:buClr>
+                <a:schemeClr val="dk1"/>
+              </a:buClr>
+              <a:buSzPts val="1100"/>
+              <a:buFont typeface="Arial"/>
+              <a:buNone/>
+            </a:pPr>
+            <a:r>
+              <a:rPr lang="en-GB"/>
+              <a:t>L</a:t>
+            </a:r>
+            <a:r>
+              <a:rPr baseline="-25000" lang="en-GB"/>
+              <a:t>A</a:t>
+            </a:r>
+            <a:r>
+              <a:rPr lang="en-GB"/>
+              <a:t> ∩ L</a:t>
+            </a:r>
+            <a:r>
+              <a:rPr baseline="-25000" lang="en-GB"/>
+              <a:t>B</a:t>
+            </a:r>
+            <a:r>
+              <a:rPr lang="en-GB"/>
+              <a:t> = (L</a:t>
+            </a:r>
+            <a:r>
+              <a:rPr baseline="-25000" lang="en-GB"/>
+              <a:t>A</a:t>
+            </a:r>
+            <a:r>
+              <a:rPr baseline="30000" lang="en-GB"/>
+              <a:t>C</a:t>
+            </a:r>
+            <a:r>
+              <a:rPr lang="en-GB"/>
+              <a:t> ∪ </a:t>
+            </a:r>
+            <a:r>
+              <a:rPr baseline="-25000" lang="en-GB"/>
+              <a:t> </a:t>
+            </a:r>
+            <a:r>
+              <a:rPr lang="en-GB"/>
+              <a:t>L</a:t>
+            </a:r>
+            <a:r>
+              <a:rPr baseline="-25000" lang="en-GB"/>
+              <a:t>B</a:t>
+            </a:r>
+            <a:r>
+              <a:rPr baseline="30000" lang="en-GB"/>
+              <a:t>C</a:t>
+            </a:r>
+            <a:r>
+              <a:rPr lang="en-GB"/>
+              <a:t>)</a:t>
+            </a:r>
+            <a:r>
+              <a:rPr baseline="30000" lang="en-GB"/>
+              <a:t>C</a:t>
+            </a:r>
+            <a:endParaRPr/>
+          </a:p>
+          <a:p>
+            <a:pPr indent="0" lvl="0" marL="0" rtl="0" algn="l">
+              <a:spcBef>
+                <a:spcPts val="1600"/>
+              </a:spcBef>
+              <a:spcAft>
+                <a:spcPts val="0"/>
+              </a:spcAft>
+              <a:buClr>
+                <a:schemeClr val="dk1"/>
+              </a:buClr>
+              <a:buSzPts val="1100"/>
+              <a:buFont typeface="Arial"/>
+              <a:buNone/>
+            </a:pPr>
+            <a:r>
+              <a:rPr lang="en-GB"/>
+              <a:t>L</a:t>
+            </a:r>
+            <a:r>
+              <a:rPr baseline="-25000" lang="en-GB"/>
+              <a:t>A</a:t>
+            </a:r>
+            <a:r>
+              <a:rPr lang="en-GB"/>
+              <a:t> = ∅ ?</a:t>
+            </a:r>
+            <a:endParaRPr/>
+          </a:p>
+          <a:p>
+            <a:pPr indent="0" lvl="0" marL="0" rtl="0" algn="l">
+              <a:spcBef>
+                <a:spcPts val="1600"/>
+              </a:spcBef>
+              <a:spcAft>
+                <a:spcPts val="0"/>
+              </a:spcAft>
+              <a:buClr>
+                <a:schemeClr val="dk1"/>
+              </a:buClr>
+              <a:buSzPts val="1100"/>
+              <a:buFont typeface="Arial"/>
+              <a:buNone/>
+            </a:pPr>
+            <a:r>
+              <a:rPr lang="en-GB"/>
+              <a:t>L</a:t>
+            </a:r>
+            <a:r>
+              <a:rPr baseline="-25000" lang="en-GB"/>
+              <a:t>A</a:t>
+            </a:r>
+            <a:r>
+              <a:rPr lang="en-GB"/>
+              <a:t> ∪ L</a:t>
+            </a:r>
+            <a:r>
+              <a:rPr baseline="-25000" lang="en-GB"/>
+              <a:t>B</a:t>
+            </a:r>
+            <a:r>
+              <a:rPr lang="en-GB"/>
+              <a:t> é LLC</a:t>
+            </a:r>
+            <a:endParaRPr/>
+          </a:p>
+          <a:p>
+            <a:pPr indent="0" lvl="0" marL="0" rtl="0" algn="l">
+              <a:spcBef>
+                <a:spcPts val="1600"/>
+              </a:spcBef>
+              <a:spcAft>
+                <a:spcPts val="0"/>
+              </a:spcAft>
+              <a:buClr>
+                <a:schemeClr val="dk1"/>
+              </a:buClr>
+              <a:buSzPts val="1100"/>
+              <a:buFont typeface="Arial"/>
+              <a:buNone/>
+            </a:pPr>
+            <a:r>
+              <a:rPr lang="en-GB"/>
+              <a:t>Como existe prova que L</a:t>
+            </a:r>
+            <a:r>
+              <a:rPr baseline="-25000" lang="en-GB"/>
+              <a:t>A</a:t>
+            </a:r>
+            <a:r>
+              <a:rPr baseline="30000" lang="en-GB"/>
+              <a:t>C</a:t>
+            </a:r>
+            <a:r>
+              <a:rPr lang="en-GB"/>
+              <a:t> e L</a:t>
+            </a:r>
+            <a:r>
+              <a:rPr baseline="-25000" lang="en-GB"/>
+              <a:t>B</a:t>
+            </a:r>
+            <a:r>
+              <a:rPr baseline="30000" lang="en-GB"/>
+              <a:t>C</a:t>
+            </a:r>
+            <a:r>
+              <a:rPr lang="en-GB"/>
+              <a:t> são LLC</a:t>
+            </a:r>
+            <a:endParaRPr/>
+          </a:p>
+          <a:p>
+            <a:pPr indent="0" lvl="0" marL="0" rtl="0" algn="l">
+              <a:spcBef>
+                <a:spcPts val="1600"/>
+              </a:spcBef>
+              <a:spcAft>
+                <a:spcPts val="0"/>
+              </a:spcAft>
+              <a:buClr>
+                <a:schemeClr val="dk1"/>
+              </a:buClr>
+              <a:buSzPts val="1100"/>
+              <a:buFont typeface="Arial"/>
+              <a:buNone/>
+            </a:pPr>
+            <a:r>
+              <a:rPr lang="en-GB"/>
+              <a:t>L</a:t>
+            </a:r>
+            <a:r>
+              <a:rPr baseline="-25000" lang="en-GB"/>
+              <a:t>A</a:t>
+            </a:r>
+            <a:r>
+              <a:rPr baseline="30000" lang="en-GB"/>
+              <a:t>C</a:t>
+            </a:r>
+            <a:r>
+              <a:rPr lang="en-GB"/>
+              <a:t> ∪ </a:t>
+            </a:r>
+            <a:r>
+              <a:rPr baseline="-25000" lang="en-GB"/>
+              <a:t> </a:t>
+            </a:r>
+            <a:r>
+              <a:rPr lang="en-GB"/>
+              <a:t>L</a:t>
+            </a:r>
+            <a:r>
+              <a:rPr baseline="-25000" lang="en-GB"/>
+              <a:t>B</a:t>
+            </a:r>
+            <a:r>
+              <a:rPr baseline="30000" lang="en-GB"/>
+              <a:t>C</a:t>
+            </a:r>
+            <a:r>
+              <a:rPr lang="en-GB"/>
+              <a:t> é LLC</a:t>
+            </a:r>
+            <a:endParaRPr/>
+          </a:p>
+          <a:p>
+            <a:pPr indent="0" lvl="0" marL="0" rtl="0" algn="l">
+              <a:spcBef>
+                <a:spcPts val="1600"/>
+              </a:spcBef>
+              <a:spcAft>
+                <a:spcPts val="1600"/>
+              </a:spcAft>
+              <a:buClr>
+                <a:schemeClr val="dk1"/>
+              </a:buClr>
+              <a:buSzPts val="1100"/>
+              <a:buFont typeface="Arial"/>
+              <a:buNone/>
+            </a:pPr>
+            <a:r>
+              <a:rPr lang="en-GB"/>
+              <a:t>L</a:t>
+            </a:r>
+            <a:r>
+              <a:rPr baseline="-25000" lang="en-GB"/>
+              <a:t>A</a:t>
+            </a:r>
+            <a:r>
+              <a:rPr baseline="30000" lang="en-GB"/>
+              <a:t>C</a:t>
+            </a:r>
+            <a:r>
+              <a:rPr lang="en-GB"/>
+              <a:t> ∪ </a:t>
+            </a:r>
+            <a:r>
+              <a:rPr baseline="-25000" lang="en-GB"/>
+              <a:t> </a:t>
+            </a:r>
+            <a:r>
+              <a:rPr lang="en-GB"/>
+              <a:t>L</a:t>
+            </a:r>
+            <a:r>
+              <a:rPr baseline="-25000" lang="en-GB"/>
+              <a:t>B</a:t>
+            </a:r>
+            <a:r>
+              <a:rPr baseline="30000" lang="en-GB"/>
+              <a:t>C</a:t>
+            </a:r>
+            <a:r>
+              <a:rPr lang="en-GB"/>
+              <a:t> = ∅ ? Decidível</a:t>
+            </a:r>
+            <a:endParaRPr/>
+          </a:p>
+        </p:txBody>
+      </p:sp>
+    </p:spTree>
+  </p:cSld>
+  <p:clrMapOvr>
+    <a:masterClrMapping/>
+  </p:clrMapOvr>
+</p:sld>
+</file>
+
+<file path=ppt/slides/slide63.xml><?xml version="1.0" encoding="utf-8"?>
+<p:sld xmlns:a="http://schemas.openxmlformats.org/drawingml/2006/main" xmlns:r="http://schemas.openxmlformats.org/officeDocument/2006/relationships" xmlns:mc="http://schemas.openxmlformats.org/markup-compatibility/2006" xmlns:mv="urn:schemas-microsoft-com:mac:vml" xmlns:p="http://schemas.openxmlformats.org/presentationml/2006/main" xmlns:c="http://schemas.openxmlformats.org/drawingml/2006/chart" xmlns:dgm="http://schemas.openxmlformats.org/drawingml/2006/diagram" xmlns:o="urn:schemas-microsoft-com:office:office" xmlns:v="urn:schemas-microsoft-com:vml" xmlns:pvml="urn:schemas-microsoft-com:office:powerpoint" xmlns:com="http://schemas.openxmlformats.org/drawingml/2006/compatibility" xmlns:p14="http://schemas.microsoft.com/office/powerpoint/2010/main" xmlns:p15="http://schemas.microsoft.com/office/powerpoint/2012/main">
+  <p:cSld>
+    <p:spTree>
+      <p:nvGrpSpPr>
+        <p:cNvPr id="442" name="Shape 442"/>
+        <p:cNvGrpSpPr/>
+        <p:nvPr/>
+      </p:nvGrpSpPr>
+      <p:grpSpPr>
+        <a:xfrm>
+          <a:off x="0" y="0"/>
+          <a:ext cx="0" cy="0"/>
+          <a:chOff x="0" y="0"/>
+          <a:chExt cx="0" cy="0"/>
+        </a:xfrm>
+      </p:grpSpPr>
+      <p:sp>
+        <p:nvSpPr>
+          <p:cNvPr id="443" name="Google Shape;443;p75"/>
+          <p:cNvSpPr txBox="1"/>
+          <p:nvPr>
+            <p:ph type="title"/>
+          </p:nvPr>
+        </p:nvSpPr>
+        <p:spPr>
+          <a:xfrm>
+            <a:off x="311700" y="445025"/>
+            <a:ext cx="8520600" cy="572700"/>
+          </a:xfrm>
+          <a:prstGeom prst="rect">
+            <a:avLst/>
+          </a:prstGeom>
+        </p:spPr>
+        <p:txBody>
+          <a:bodyPr anchorCtr="0" anchor="t" bIns="91425" lIns="91425" spcFirstLastPara="1" rIns="91425" wrap="square" tIns="91425">
+            <a:noAutofit/>
+          </a:bodyPr>
+          <a:lstStyle/>
+          <a:p>
+            <a:pPr indent="0" lvl="0" marL="0" rtl="0" algn="l">
+              <a:spcBef>
+                <a:spcPts val="0"/>
+              </a:spcBef>
+              <a:spcAft>
+                <a:spcPts val="0"/>
+              </a:spcAft>
+              <a:buNone/>
+            </a:pPr>
+            <a:r>
+              <a:rPr lang="en-GB"/>
+              <a:t>Vacuidade da interseção de LLCs</a:t>
+            </a:r>
+            <a:endParaRPr/>
+          </a:p>
+        </p:txBody>
+      </p:sp>
+      <p:sp>
+        <p:nvSpPr>
+          <p:cNvPr id="444" name="Google Shape;444;p75"/>
+          <p:cNvSpPr txBox="1"/>
+          <p:nvPr>
+            <p:ph idx="1" type="body"/>
+          </p:nvPr>
+        </p:nvSpPr>
+        <p:spPr>
+          <a:xfrm>
+            <a:off x="311700" y="1152475"/>
+            <a:ext cx="8520600" cy="3760800"/>
+          </a:xfrm>
+          <a:prstGeom prst="rect">
+            <a:avLst/>
+          </a:prstGeom>
+        </p:spPr>
+        <p:txBody>
+          <a:bodyPr anchorCtr="0" anchor="t" bIns="91425" lIns="91425" spcFirstLastPara="1" rIns="91425" wrap="square" tIns="91425">
+            <a:noAutofit/>
+          </a:bodyPr>
+          <a:lstStyle/>
+          <a:p>
+            <a:pPr indent="0" lvl="0" marL="0" rtl="0" algn="l">
+              <a:spcBef>
+                <a:spcPts val="0"/>
+              </a:spcBef>
+              <a:spcAft>
+                <a:spcPts val="0"/>
+              </a:spcAft>
+              <a:buClr>
+                <a:schemeClr val="dk1"/>
+              </a:buClr>
+              <a:buSzPts val="1100"/>
+              <a:buFont typeface="Arial"/>
+              <a:buNone/>
+            </a:pPr>
+            <a:r>
+              <a:rPr lang="en-GB"/>
+              <a:t>L</a:t>
+            </a:r>
+            <a:r>
+              <a:rPr baseline="-25000" lang="en-GB"/>
+              <a:t>A</a:t>
+            </a:r>
+            <a:r>
+              <a:rPr lang="en-GB"/>
+              <a:t> ∩ L</a:t>
+            </a:r>
+            <a:r>
+              <a:rPr baseline="-25000" lang="en-GB"/>
+              <a:t>B</a:t>
+            </a:r>
+            <a:r>
+              <a:rPr lang="en-GB"/>
+              <a:t> = (L</a:t>
+            </a:r>
+            <a:r>
+              <a:rPr baseline="-25000" lang="en-GB"/>
+              <a:t>A</a:t>
+            </a:r>
+            <a:r>
+              <a:rPr baseline="30000" lang="en-GB"/>
+              <a:t>C</a:t>
+            </a:r>
+            <a:r>
+              <a:rPr lang="en-GB"/>
+              <a:t> ∪ </a:t>
+            </a:r>
+            <a:r>
+              <a:rPr baseline="-25000" lang="en-GB"/>
+              <a:t> </a:t>
+            </a:r>
+            <a:r>
+              <a:rPr lang="en-GB"/>
+              <a:t>L</a:t>
+            </a:r>
+            <a:r>
+              <a:rPr baseline="-25000" lang="en-GB"/>
+              <a:t>B</a:t>
+            </a:r>
+            <a:r>
+              <a:rPr baseline="30000" lang="en-GB"/>
+              <a:t>C</a:t>
+            </a:r>
+            <a:r>
+              <a:rPr lang="en-GB"/>
+              <a:t>)</a:t>
+            </a:r>
+            <a:r>
+              <a:rPr baseline="30000" lang="en-GB"/>
+              <a:t>C</a:t>
+            </a:r>
+            <a:endParaRPr/>
+          </a:p>
+          <a:p>
+            <a:pPr indent="0" lvl="0" marL="0" rtl="0" algn="l">
+              <a:spcBef>
+                <a:spcPts val="1600"/>
+              </a:spcBef>
+              <a:spcAft>
+                <a:spcPts val="0"/>
+              </a:spcAft>
+              <a:buClr>
+                <a:schemeClr val="dk1"/>
+              </a:buClr>
+              <a:buSzPts val="1100"/>
+              <a:buFont typeface="Arial"/>
+              <a:buNone/>
+            </a:pPr>
+            <a:r>
+              <a:rPr lang="en-GB"/>
+              <a:t>L</a:t>
+            </a:r>
+            <a:r>
+              <a:rPr baseline="-25000" lang="en-GB"/>
+              <a:t>A</a:t>
+            </a:r>
+            <a:r>
+              <a:rPr lang="en-GB"/>
+              <a:t> = ∅ ?</a:t>
+            </a:r>
+            <a:endParaRPr/>
+          </a:p>
+          <a:p>
+            <a:pPr indent="0" lvl="0" marL="0" rtl="0" algn="l">
+              <a:spcBef>
+                <a:spcPts val="1600"/>
+              </a:spcBef>
+              <a:spcAft>
+                <a:spcPts val="0"/>
+              </a:spcAft>
+              <a:buClr>
+                <a:schemeClr val="dk1"/>
+              </a:buClr>
+              <a:buSzPts val="1100"/>
+              <a:buFont typeface="Arial"/>
+              <a:buNone/>
+            </a:pPr>
+            <a:r>
+              <a:rPr lang="en-GB"/>
+              <a:t>L</a:t>
+            </a:r>
+            <a:r>
+              <a:rPr baseline="-25000" lang="en-GB"/>
+              <a:t>A</a:t>
+            </a:r>
+            <a:r>
+              <a:rPr lang="en-GB"/>
+              <a:t> ∪ L</a:t>
+            </a:r>
+            <a:r>
+              <a:rPr baseline="-25000" lang="en-GB"/>
+              <a:t>B</a:t>
+            </a:r>
+            <a:r>
+              <a:rPr lang="en-GB"/>
+              <a:t> é LLC</a:t>
+            </a:r>
+            <a:endParaRPr/>
+          </a:p>
+          <a:p>
+            <a:pPr indent="0" lvl="0" marL="0" rtl="0" algn="l">
+              <a:spcBef>
+                <a:spcPts val="1600"/>
+              </a:spcBef>
+              <a:spcAft>
+                <a:spcPts val="0"/>
+              </a:spcAft>
+              <a:buClr>
+                <a:schemeClr val="dk1"/>
+              </a:buClr>
+              <a:buSzPts val="1100"/>
+              <a:buFont typeface="Arial"/>
+              <a:buNone/>
+            </a:pPr>
+            <a:r>
+              <a:rPr lang="en-GB"/>
+              <a:t>Como existe prova que L</a:t>
+            </a:r>
+            <a:r>
+              <a:rPr baseline="-25000" lang="en-GB"/>
+              <a:t>A</a:t>
+            </a:r>
+            <a:r>
+              <a:rPr baseline="30000" lang="en-GB"/>
+              <a:t>C</a:t>
+            </a:r>
+            <a:r>
+              <a:rPr lang="en-GB"/>
+              <a:t> e L</a:t>
+            </a:r>
+            <a:r>
+              <a:rPr baseline="-25000" lang="en-GB"/>
+              <a:t>B</a:t>
+            </a:r>
+            <a:r>
+              <a:rPr baseline="30000" lang="en-GB"/>
+              <a:t>C</a:t>
+            </a:r>
+            <a:r>
+              <a:rPr lang="en-GB"/>
+              <a:t> são LLC</a:t>
+            </a:r>
+            <a:endParaRPr/>
+          </a:p>
+          <a:p>
+            <a:pPr indent="0" lvl="0" marL="0" rtl="0" algn="l">
+              <a:spcBef>
+                <a:spcPts val="1600"/>
+              </a:spcBef>
+              <a:spcAft>
+                <a:spcPts val="0"/>
+              </a:spcAft>
+              <a:buClr>
+                <a:schemeClr val="dk1"/>
+              </a:buClr>
+              <a:buSzPts val="1100"/>
+              <a:buFont typeface="Arial"/>
+              <a:buNone/>
+            </a:pPr>
+            <a:r>
+              <a:rPr lang="en-GB"/>
+              <a:t>L</a:t>
+            </a:r>
+            <a:r>
+              <a:rPr baseline="-25000" lang="en-GB"/>
+              <a:t>A</a:t>
+            </a:r>
+            <a:r>
+              <a:rPr baseline="30000" lang="en-GB"/>
+              <a:t>C</a:t>
+            </a:r>
+            <a:r>
+              <a:rPr lang="en-GB"/>
+              <a:t> ∪ </a:t>
+            </a:r>
+            <a:r>
+              <a:rPr baseline="-25000" lang="en-GB"/>
+              <a:t> </a:t>
+            </a:r>
+            <a:r>
+              <a:rPr lang="en-GB"/>
+              <a:t>L</a:t>
+            </a:r>
+            <a:r>
+              <a:rPr baseline="-25000" lang="en-GB"/>
+              <a:t>B</a:t>
+            </a:r>
+            <a:r>
+              <a:rPr baseline="30000" lang="en-GB"/>
+              <a:t>C</a:t>
+            </a:r>
+            <a:r>
+              <a:rPr lang="en-GB"/>
+              <a:t> é LLC</a:t>
+            </a:r>
+            <a:endParaRPr/>
+          </a:p>
+          <a:p>
+            <a:pPr indent="0" lvl="0" marL="0" rtl="0" algn="l">
+              <a:spcBef>
+                <a:spcPts val="1600"/>
+              </a:spcBef>
+              <a:spcAft>
+                <a:spcPts val="0"/>
+              </a:spcAft>
+              <a:buClr>
+                <a:schemeClr val="dk1"/>
+              </a:buClr>
+              <a:buSzPts val="1100"/>
+              <a:buFont typeface="Arial"/>
+              <a:buNone/>
+            </a:pPr>
+            <a:r>
+              <a:rPr lang="en-GB"/>
+              <a:t>L</a:t>
+            </a:r>
+            <a:r>
+              <a:rPr baseline="-25000" lang="en-GB"/>
+              <a:t>A</a:t>
+            </a:r>
+            <a:r>
+              <a:rPr baseline="30000" lang="en-GB"/>
+              <a:t>C</a:t>
+            </a:r>
+            <a:r>
+              <a:rPr lang="en-GB"/>
+              <a:t> ∪ </a:t>
+            </a:r>
+            <a:r>
+              <a:rPr baseline="-25000" lang="en-GB"/>
+              <a:t> </a:t>
+            </a:r>
+            <a:r>
+              <a:rPr lang="en-GB"/>
+              <a:t>L</a:t>
+            </a:r>
+            <a:r>
+              <a:rPr baseline="-25000" lang="en-GB"/>
+              <a:t>B</a:t>
+            </a:r>
+            <a:r>
+              <a:rPr baseline="30000" lang="en-GB"/>
+              <a:t>C</a:t>
+            </a:r>
+            <a:r>
+              <a:rPr lang="en-GB"/>
+              <a:t> = ∅ ? Decidível</a:t>
+            </a:r>
+            <a:endParaRPr/>
+          </a:p>
+          <a:p>
+            <a:pPr indent="0" lvl="0" marL="0" rtl="0" algn="l">
+              <a:spcBef>
+                <a:spcPts val="1600"/>
+              </a:spcBef>
+              <a:spcAft>
+                <a:spcPts val="1600"/>
+              </a:spcAft>
+              <a:buClr>
+                <a:schemeClr val="dk1"/>
+              </a:buClr>
+              <a:buSzPts val="1100"/>
+              <a:buFont typeface="Arial"/>
+              <a:buNone/>
+            </a:pPr>
+            <a:r>
+              <a:rPr lang="en-GB"/>
+              <a:t>(L</a:t>
+            </a:r>
+            <a:r>
+              <a:rPr baseline="-25000" lang="en-GB"/>
+              <a:t>A</a:t>
+            </a:r>
+            <a:r>
+              <a:rPr baseline="30000" lang="en-GB"/>
+              <a:t>C</a:t>
+            </a:r>
+            <a:r>
+              <a:rPr lang="en-GB"/>
+              <a:t> ∪ </a:t>
+            </a:r>
+            <a:r>
+              <a:rPr baseline="-25000" lang="en-GB"/>
+              <a:t> </a:t>
+            </a:r>
+            <a:r>
+              <a:rPr lang="en-GB"/>
+              <a:t>L</a:t>
+            </a:r>
+            <a:r>
+              <a:rPr baseline="-25000" lang="en-GB"/>
+              <a:t>B</a:t>
+            </a:r>
+            <a:r>
+              <a:rPr baseline="30000" lang="en-GB"/>
+              <a:t>C</a:t>
+            </a:r>
+            <a:r>
+              <a:rPr lang="en-GB"/>
+              <a:t>)</a:t>
+            </a:r>
+            <a:r>
+              <a:rPr baseline="30000" lang="en-GB"/>
+              <a:t>C</a:t>
+            </a:r>
+            <a:r>
+              <a:rPr lang="en-GB"/>
+              <a:t> Indecidível</a:t>
+            </a:r>
+            <a:endParaRPr/>
+          </a:p>
+        </p:txBody>
+      </p:sp>
+    </p:spTree>
+  </p:cSld>
+  <p:clrMapOvr>
+    <a:masterClrMapping/>
+  </p:clrMapOvr>
+</p:sld>
+</file>
+
+<file path=ppt/slides/slide64.xml><?xml version="1.0" encoding="utf-8"?>
+<p:sld xmlns:a="http://schemas.openxmlformats.org/drawingml/2006/main" xmlns:r="http://schemas.openxmlformats.org/officeDocument/2006/relationships" xmlns:mc="http://schemas.openxmlformats.org/markup-compatibility/2006" xmlns:mv="urn:schemas-microsoft-com:mac:vml" xmlns:p="http://schemas.openxmlformats.org/presentationml/2006/main" xmlns:c="http://schemas.openxmlformats.org/drawingml/2006/chart" xmlns:dgm="http://schemas.openxmlformats.org/drawingml/2006/diagram" xmlns:o="urn:schemas-microsoft-com:office:office" xmlns:v="urn:schemas-microsoft-com:vml" xmlns:pvml="urn:schemas-microsoft-com:office:powerpoint" xmlns:com="http://schemas.openxmlformats.org/drawingml/2006/compatibility" xmlns:p14="http://schemas.microsoft.com/office/powerpoint/2010/main" xmlns:p15="http://schemas.microsoft.com/office/powerpoint/2012/main">
+  <p:cSld>
+    <p:spTree>
+      <p:nvGrpSpPr>
+        <p:cNvPr id="448" name="Shape 448"/>
+        <p:cNvGrpSpPr/>
+        <p:nvPr/>
+      </p:nvGrpSpPr>
+      <p:grpSpPr>
+        <a:xfrm>
+          <a:off x="0" y="0"/>
+          <a:ext cx="0" cy="0"/>
+          <a:chOff x="0" y="0"/>
+          <a:chExt cx="0" cy="0"/>
+        </a:xfrm>
+      </p:grpSpPr>
+      <p:sp>
+        <p:nvSpPr>
+          <p:cNvPr id="449" name="Google Shape;449;p76"/>
+          <p:cNvSpPr txBox="1"/>
+          <p:nvPr/>
+        </p:nvSpPr>
+        <p:spPr>
+          <a:xfrm>
+            <a:off x="0" y="50"/>
+            <a:ext cx="9144000" cy="5143500"/>
+          </a:xfrm>
+          <a:prstGeom prst="rect">
+            <a:avLst/>
+          </a:prstGeom>
+          <a:noFill/>
+          <a:ln>
+            <a:noFill/>
+          </a:ln>
+        </p:spPr>
+        <p:txBody>
+          <a:bodyPr anchorCtr="0" anchor="ctr" bIns="91425" lIns="91425" spcFirstLastPara="1" rIns="91425" wrap="square" tIns="91425">
+            <a:noAutofit/>
+          </a:bodyPr>
+          <a:lstStyle/>
+          <a:p>
+            <a:pPr indent="0" lvl="0" marL="0" rtl="0" algn="ctr">
+              <a:spcBef>
+                <a:spcPts val="0"/>
+              </a:spcBef>
+              <a:spcAft>
+                <a:spcPts val="0"/>
+              </a:spcAft>
+              <a:buNone/>
+            </a:pPr>
+            <a:r>
+              <a:rPr lang="en-GB" sz="6000"/>
+              <a:t>FIM</a:t>
+            </a:r>
+            <a:endParaRPr sz="6000"/>
           </a:p>
         </p:txBody>
       </p:sp>
